--- a/final poster.pptx
+++ b/final poster.pptx
@@ -124,6 +124,14 @@
     </p:ext>
   </p:extLst>
 </p:presentation>
+</file>
+
+<file path=ppt/revisionInfo.xml><?xml version="1.0" encoding="utf-8"?>
+<p1510:revInfo xmlns:a="http://schemas.openxmlformats.org/drawingml/2006/main" xmlns:r="http://schemas.openxmlformats.org/officeDocument/2006/relationships" xmlns:p1510="http://schemas.microsoft.com/office/powerpoint/2015/10/main">
+  <p1510:revLst>
+    <p1510:client id="{6950BE1B-976B-4347-8CDC-077D77021293}" v="6" dt="2025-03-11T08:54:06.476"/>
+  </p1510:revLst>
+</p1510:revInfo>
 </file>
 
 <file path=ppt/notesMasters/notesMaster1.xml><?xml version="1.0" encoding="utf-8"?>
@@ -4053,7 +4061,7 @@
         </p:nvGrpSpPr>
         <p:grpSpPr>
           <a:xfrm>
-            <a:off x="0" y="1"/>
+            <a:off x="-5618" y="-31750"/>
             <a:ext cx="32004000" cy="36360098"/>
             <a:chOff x="0" y="1"/>
             <a:chExt cx="32004000" cy="36360098"/>
@@ -4185,8 +4193,8 @@
           </p:nvSpPr>
           <p:spPr bwMode="auto">
             <a:xfrm>
-              <a:off x="8795167" y="163857"/>
-              <a:ext cx="13445513" cy="2908998"/>
+              <a:off x="5063047" y="540988"/>
+              <a:ext cx="21617145" cy="3216775"/>
             </a:xfrm>
             <a:prstGeom prst="rect">
               <a:avLst/>
@@ -4327,15 +4335,23 @@
               </a:lvl9pPr>
             </a:lstStyle>
             <a:p>
-              <a:pPr algn="ctr" eaLnBrk="1" hangingPunct="1">
-                <a:spcBef>
-                  <a:spcPts val="0"/>
-                </a:spcBef>
-              </a:pPr>
+              <a:pPr algn="ctr" eaLnBrk="1" hangingPunct="1"/>
               <a:r>
-                <a:rPr lang="en-US" sz="6000" dirty="0"/>
-                <a:t>A Dielectrically Modulated GaN/AlN/AlGaN MOSHEMT with a Nanogap Embedded Cavity for Biosensing Applications</a:t>
+                <a:rPr lang="en-US" sz="7500" dirty="0">
+                  <a:latin typeface="Times New Roman" panose="02020603050405020304" pitchFamily="18" charset="0"/>
+                  <a:cs typeface="Times New Roman" panose="02020603050405020304" pitchFamily="18" charset="0"/>
+                </a:rPr>
+                <a:t>A Dielectrically Modulated GaN/AlN/HfAlOx MOSHEMT with a Nanogap Embedded Cavity for Biosensing Applications</a:t>
               </a:r>
+              <a:endParaRPr lang="en-US" sz="7500" i="0" u="none" strike="noStrike" cap="none" dirty="0">
+                <a:latin typeface="Times New Roman" panose="02020603050405020304" pitchFamily="18" charset="0"/>
+                <a:ea typeface="Montserrat"/>
+                <a:cs typeface="Times New Roman" panose="02020603050405020304" pitchFamily="18" charset="0"/>
+                <a:sym typeface="Montserrat"/>
+              </a:endParaRPr>
+            </a:p>
+            <a:p>
+              <a:pPr algn="ctr" eaLnBrk="1" hangingPunct="1"/>
               <a:endParaRPr lang="en-US" altLang="zh-CN" sz="6000" baseline="0" dirty="0">
                 <a:latin typeface="Poppins" panose="00000500000000000000" pitchFamily="2" charset="0"/>
                 <a:ea typeface="SimSun" pitchFamily="2" charset="-122"/>
@@ -4550,7 +4566,7 @@
           <p:spPr bwMode="auto">
             <a:xfrm>
               <a:off x="2196036" y="3873287"/>
-              <a:ext cx="27241501" cy="532066"/>
+              <a:ext cx="27241501" cy="595096"/>
             </a:xfrm>
             <a:prstGeom prst="rect">
               <a:avLst/>
@@ -4700,62 +4716,16 @@
                 </a:spcBef>
               </a:pPr>
               <a:r>
-                <a:rPr lang="en-US" altLang="zh-CN" sz="4500" baseline="0" dirty="0">
-                  <a:latin typeface="Poppins" panose="00000500000000000000" pitchFamily="2" charset="0"/>
+                <a:rPr lang="en-US" altLang="zh-CN" sz="5400" baseline="0" dirty="0">
+                  <a:latin typeface="Times New Roman" panose="02020603050405020304" pitchFamily="18" charset="0"/>
                   <a:ea typeface="SimSun" pitchFamily="2" charset="-122"/>
-                  <a:cs typeface="Poppins" panose="00000500000000000000" pitchFamily="2" charset="0"/>
+                  <a:cs typeface="Times New Roman" panose="02020603050405020304" pitchFamily="18" charset="0"/>
                 </a:rPr>
-                <a:t>Supervisor : </a:t>
-              </a:r>
-              <a:r>
-                <a:rPr lang="en-US" altLang="zh-CN" sz="4500" baseline="0">
-                  <a:latin typeface="Poppins" panose="00000500000000000000" pitchFamily="2" charset="0"/>
-                  <a:ea typeface="SimSun" pitchFamily="2" charset="-122"/>
-                  <a:cs typeface="Poppins" panose="00000500000000000000" pitchFamily="2" charset="0"/>
-                </a:rPr>
-                <a:t>&lt;&lt; Mr. </a:t>
-              </a:r>
-              <a:r>
-                <a:rPr lang="en-US" altLang="zh-CN" sz="4500" baseline="0" dirty="0">
-                  <a:latin typeface="Poppins" panose="00000500000000000000" pitchFamily="2" charset="0"/>
-                  <a:ea typeface="SimSun" pitchFamily="2" charset="-122"/>
-                  <a:cs typeface="Poppins" panose="00000500000000000000" pitchFamily="2" charset="0"/>
-                </a:rPr>
-                <a:t>GIRISH SHANKAR MISHRA &gt;&gt;</a:t>
+                <a:t>Supervisor : Mr. Girish Shankar Mishra</a:t>
               </a:r>
             </a:p>
           </p:txBody>
         </p:sp>
-        <p:pic>
-          <p:nvPicPr>
-            <p:cNvPr id="9" name="Picture 8">
-              <a:extLst>
-                <a:ext uri="{FF2B5EF4-FFF2-40B4-BE49-F238E27FC236}">
-                  <a16:creationId xmlns:a16="http://schemas.microsoft.com/office/drawing/2014/main" id="{CB6A3E1D-AD94-7507-6722-766540D985C6}"/>
-                </a:ext>
-              </a:extLst>
-            </p:cNvPr>
-            <p:cNvPicPr>
-              <a:picLocks noChangeAspect="1"/>
-            </p:cNvPicPr>
-            <p:nvPr/>
-          </p:nvPicPr>
-          <p:blipFill>
-            <a:blip r:embed="rId2"/>
-            <a:stretch>
-              <a:fillRect/>
-            </a:stretch>
-          </p:blipFill>
-          <p:spPr>
-            <a:xfrm>
-              <a:off x="200785" y="513691"/>
-              <a:ext cx="4169868" cy="1845973"/>
-            </a:xfrm>
-            <a:prstGeom prst="rect">
-              <a:avLst/>
-            </a:prstGeom>
-          </p:spPr>
-        </p:pic>
         <p:sp>
           <p:nvSpPr>
             <p:cNvPr id="14" name="Rectangle: Rounded Corners 13">
@@ -4998,8 +4968,8 @@
           </p:nvSpPr>
           <p:spPr>
             <a:xfrm>
-              <a:off x="10896600" y="31074838"/>
-              <a:ext cx="20678015" cy="4964917"/>
+              <a:off x="10896600" y="29337002"/>
+              <a:ext cx="20678015" cy="4048674"/>
             </a:xfrm>
             <a:prstGeom prst="roundRect">
               <a:avLst>
@@ -5055,8 +5025,8 @@
           </p:nvSpPr>
           <p:spPr>
             <a:xfrm>
-              <a:off x="10896600" y="24704392"/>
-              <a:ext cx="20678015" cy="6050104"/>
+              <a:off x="10896600" y="24579165"/>
+              <a:ext cx="20678015" cy="4529236"/>
             </a:xfrm>
             <a:prstGeom prst="roundRect">
               <a:avLst>
@@ -5404,7 +5374,7 @@
           <p:spPr>
             <a:xfrm>
               <a:off x="21235607" y="4551119"/>
-              <a:ext cx="8289449" cy="1092607"/>
+              <a:ext cx="3315331" cy="1092607"/>
             </a:xfrm>
             <a:prstGeom prst="rect">
               <a:avLst/>
@@ -5422,7 +5392,7 @@
                   <a:latin typeface="Poppins" panose="00000500000000000000" pitchFamily="2" charset="0"/>
                   <a:cs typeface="Poppins" panose="00000500000000000000" pitchFamily="2" charset="0"/>
                 </a:rPr>
-                <a:t>Expected Outcome</a:t>
+                <a:t>Results</a:t>
               </a:r>
             </a:p>
           </p:txBody>
@@ -5441,7 +5411,7 @@
           </p:nvSpPr>
           <p:spPr>
             <a:xfrm>
-              <a:off x="11014056" y="24734444"/>
+              <a:off x="10972800" y="24434394"/>
               <a:ext cx="8669361" cy="1092607"/>
             </a:xfrm>
             <a:prstGeom prst="rect">
@@ -5479,7 +5449,7 @@
           </p:nvSpPr>
           <p:spPr>
             <a:xfrm>
-              <a:off x="11037038" y="31160539"/>
+              <a:off x="10896600" y="29234994"/>
               <a:ext cx="7904728" cy="1092607"/>
             </a:xfrm>
             <a:prstGeom prst="rect">
@@ -5518,8 +5488,8 @@
         </p:nvSpPr>
         <p:spPr>
           <a:xfrm>
-            <a:off x="11175123" y="32253146"/>
-            <a:ext cx="20017618" cy="3046988"/>
+            <a:off x="10946635" y="30288402"/>
+            <a:ext cx="20427215" cy="2585323"/>
           </a:xfrm>
           <a:prstGeom prst="rect">
             <a:avLst/>
@@ -5534,34 +5504,13 @@
           <a:p>
             <a:pPr algn="just"/>
             <a:r>
-              <a:rPr lang="en-US" sz="4800" dirty="0">
+              <a:rPr lang="en-US" sz="5400" dirty="0">
                 <a:latin typeface="Times New Roman" panose="02020603050405020304" pitchFamily="18" charset="0"/>
                 <a:cs typeface="Times New Roman" panose="02020603050405020304" pitchFamily="18" charset="0"/>
               </a:rPr>
-              <a:t>The societal impact of this GaN/AlGaN MOSHEMT biosensor is profound, spanning </a:t>
+              <a:t>The biosensor supports early disease detection, infection control, and real-time environmental monitoring, improving healthcare access and global health outcomes.</a:t>
             </a:r>
-            <a:r>
-              <a:rPr lang="en-US" sz="4800" b="1" dirty="0">
-                <a:latin typeface="Times New Roman" panose="02020603050405020304" pitchFamily="18" charset="0"/>
-                <a:cs typeface="Times New Roman" panose="02020603050405020304" pitchFamily="18" charset="0"/>
-              </a:rPr>
-              <a:t>healthcare, public safety, environmental protection, and economic benefits</a:t>
-            </a:r>
-            <a:r>
-              <a:rPr lang="en-US" sz="4800" dirty="0">
-                <a:latin typeface="Times New Roman" panose="02020603050405020304" pitchFamily="18" charset="0"/>
-                <a:cs typeface="Times New Roman" panose="02020603050405020304" pitchFamily="18" charset="0"/>
-              </a:rPr>
-              <a:t>. Its ability to offer high sensitivity, low cost, and broad applicability makes it a powerful tool for advancing </a:t>
-            </a:r>
-            <a:r>
-              <a:rPr lang="en-US" sz="4800" b="1" dirty="0">
-                <a:latin typeface="Times New Roman" panose="02020603050405020304" pitchFamily="18" charset="0"/>
-                <a:cs typeface="Times New Roman" panose="02020603050405020304" pitchFamily="18" charset="0"/>
-              </a:rPr>
-              <a:t>global well-being and sustainability</a:t>
-            </a:r>
-            <a:endParaRPr lang="en-IN" sz="4800" dirty="0">
+            <a:endParaRPr lang="en-IN" sz="5400" dirty="0">
               <a:latin typeface="Times New Roman" panose="02020603050405020304" pitchFamily="18" charset="0"/>
               <a:cs typeface="Times New Roman" panose="02020603050405020304" pitchFamily="18" charset="0"/>
             </a:endParaRPr>
@@ -5582,8 +5531,8 @@
         </p:nvSpPr>
         <p:spPr>
           <a:xfrm>
-            <a:off x="11148182" y="25733351"/>
-            <a:ext cx="20017618" cy="4154984"/>
+            <a:off x="10993228" y="25238380"/>
+            <a:ext cx="21484520" cy="4632037"/>
           </a:xfrm>
           <a:prstGeom prst="rect">
             <a:avLst/>
@@ -5596,19 +5545,63 @@
           </a:bodyPr>
           <a:lstStyle/>
           <a:p>
-            <a:pPr algn="just"/>
+            <a:pPr algn="just">
+              <a:buFont typeface="Arial" panose="020B0604020202020204" pitchFamily="34" charset="0"/>
+              <a:buChar char="•"/>
+            </a:pPr>
             <a:r>
-              <a:rPr lang="en-US" sz="4400" b="0" i="0" dirty="0">
-                <a:solidFill>
-                  <a:srgbClr val="000000"/>
-                </a:solidFill>
-                <a:effectLst/>
+              <a:rPr lang="en-US" sz="6000" dirty="0">
                 <a:latin typeface="Times New Roman" panose="02020603050405020304" pitchFamily="18" charset="0"/>
                 <a:cs typeface="Times New Roman" panose="02020603050405020304" pitchFamily="18" charset="0"/>
               </a:rPr>
-              <a:t>The proposed device also shows much potential in high-sensitivity applications, such as the detection of neutral and charged biomolecules. The future advancements may include material optimization, proper fabrication techniques of the device, extended applications beyond biosensing, and maybe integration into various wearable or point-of-care devices to meet the ever-growing demand for portable diagnostic tools in healthcare</a:t>
+              <a:t>Optimized materials for stability and sensitivity.</a:t>
             </a:r>
-            <a:endParaRPr lang="en-IN" sz="4400" dirty="0"/>
+          </a:p>
+          <a:p>
+            <a:pPr algn="just">
+              <a:buFont typeface="Arial" panose="020B0604020202020204" pitchFamily="34" charset="0"/>
+              <a:buChar char="•"/>
+            </a:pPr>
+            <a:r>
+              <a:rPr lang="en-US" sz="6000" dirty="0">
+                <a:latin typeface="Times New Roman" panose="02020603050405020304" pitchFamily="18" charset="0"/>
+                <a:cs typeface="Times New Roman" panose="02020603050405020304" pitchFamily="18" charset="0"/>
+              </a:rPr>
+              <a:t>Fabrication and real-world validation.</a:t>
+            </a:r>
+          </a:p>
+          <a:p>
+            <a:pPr algn="just">
+              <a:buFont typeface="Arial" panose="020B0604020202020204" pitchFamily="34" charset="0"/>
+              <a:buChar char="•"/>
+            </a:pPr>
+            <a:r>
+              <a:rPr lang="en-US" sz="6000" dirty="0">
+                <a:latin typeface="Times New Roman" panose="02020603050405020304" pitchFamily="18" charset="0"/>
+                <a:cs typeface="Times New Roman" panose="02020603050405020304" pitchFamily="18" charset="0"/>
+              </a:rPr>
+              <a:t>Integration into wearable and point-of-care diagnostics.</a:t>
+            </a:r>
+          </a:p>
+          <a:p>
+            <a:pPr algn="just">
+              <a:buFont typeface="Arial" panose="020B0604020202020204" pitchFamily="34" charset="0"/>
+              <a:buChar char="•"/>
+            </a:pPr>
+            <a:r>
+              <a:rPr lang="en-US" sz="6000" dirty="0">
+                <a:latin typeface="Times New Roman" panose="02020603050405020304" pitchFamily="18" charset="0"/>
+                <a:cs typeface="Times New Roman" panose="02020603050405020304" pitchFamily="18" charset="0"/>
+              </a:rPr>
+              <a:t>Broader applications in healthcare and environmental monitoring</a:t>
+            </a:r>
+            <a:r>
+              <a:rPr lang="en-US" sz="6000" dirty="0"/>
+              <a:t>.</a:t>
+            </a:r>
+          </a:p>
+          <a:p>
+            <a:endParaRPr lang="en-IN" sz="5500" dirty="0"/>
           </a:p>
         </p:txBody>
       </p:sp>
@@ -5626,8 +5619,8 @@
         </p:nvSpPr>
         <p:spPr>
           <a:xfrm>
-            <a:off x="11175123" y="5618182"/>
-            <a:ext cx="9207568" cy="9694962"/>
+            <a:off x="11014486" y="5599969"/>
+            <a:ext cx="9314836" cy="8217634"/>
           </a:xfrm>
           <a:prstGeom prst="rect">
             <a:avLst/>
@@ -5640,95 +5633,17 @@
           </a:bodyPr>
           <a:lstStyle/>
           <a:p>
-            <a:pPr algn="just"/>
-            <a:r>
-              <a:rPr lang="en-US" sz="4000" b="1" dirty="0">
-                <a:latin typeface="Times New Roman" panose="02020603050405020304" pitchFamily="18" charset="0"/>
-                <a:cs typeface="Times New Roman" panose="02020603050405020304" pitchFamily="18" charset="0"/>
-              </a:rPr>
-              <a:t>Device Structure and Design:</a:t>
-            </a:r>
-          </a:p>
-          <a:p>
             <a:pPr algn="just">
               <a:buFont typeface="Arial" panose="020B0604020202020204" pitchFamily="34" charset="0"/>
               <a:buChar char="•"/>
             </a:pPr>
             <a:r>
-              <a:rPr lang="en-US" sz="4000" dirty="0">
+              <a:rPr lang="en-IN" sz="4800" dirty="0">
                 <a:latin typeface="Times New Roman" panose="02020603050405020304" pitchFamily="18" charset="0"/>
                 <a:cs typeface="Times New Roman" panose="02020603050405020304" pitchFamily="18" charset="0"/>
               </a:rPr>
-              <a:t>The proposed GaN/AlN/AlGaN MOS-HEMT structure features a cross-sectional schematic with a nanogap-embedded cavity located below the gate, towards the drain side.</a:t>
+              <a:t>GaN/AlN/HfAlOx MOSHEMT with a nanogap cavity was designed for charge detection. ATLAS Silvaco simulations analysed threshold voltage shifts and drain current variations. Sensitivity, selectivity, and biomolecule detection were tested in biological environments, validated for viral load detection, real-time monitoring, and diagnostics.</a:t>
             </a:r>
-          </a:p>
-          <a:p>
-            <a:pPr algn="just">
-              <a:buFont typeface="Arial" panose="020B0604020202020204" pitchFamily="34" charset="0"/>
-              <a:buChar char="•"/>
-            </a:pPr>
-            <a:endParaRPr lang="en-US" sz="4000" dirty="0">
-              <a:latin typeface="Times New Roman" panose="02020603050405020304" pitchFamily="18" charset="0"/>
-              <a:cs typeface="Times New Roman" panose="02020603050405020304" pitchFamily="18" charset="0"/>
-            </a:endParaRPr>
-          </a:p>
-          <a:p>
-            <a:pPr algn="just"/>
-            <a:r>
-              <a:rPr lang="en-US" sz="4000" b="1" dirty="0">
-                <a:latin typeface="Times New Roman" panose="02020603050405020304" pitchFamily="18" charset="0"/>
-                <a:cs typeface="Times New Roman" panose="02020603050405020304" pitchFamily="18" charset="0"/>
-              </a:rPr>
-              <a:t>Simulation Setup:</a:t>
-            </a:r>
-          </a:p>
-          <a:p>
-            <a:pPr algn="just">
-              <a:buFont typeface="Arial" panose="020B0604020202020204" pitchFamily="34" charset="0"/>
-              <a:buChar char="•"/>
-            </a:pPr>
-            <a:r>
-              <a:rPr lang="en-US" sz="4000" dirty="0">
-                <a:latin typeface="Times New Roman" panose="02020603050405020304" pitchFamily="18" charset="0"/>
-                <a:cs typeface="Times New Roman" panose="02020603050405020304" pitchFamily="18" charset="0"/>
-              </a:rPr>
-              <a:t>The device simulations were carried out using the </a:t>
-            </a:r>
-            <a:r>
-              <a:rPr lang="en-US" sz="4000" b="1" dirty="0">
-                <a:latin typeface="Times New Roman" panose="02020603050405020304" pitchFamily="18" charset="0"/>
-                <a:cs typeface="Times New Roman" panose="02020603050405020304" pitchFamily="18" charset="0"/>
-              </a:rPr>
-              <a:t>Synopsys Sentaurus</a:t>
-            </a:r>
-            <a:r>
-              <a:rPr lang="en-US" sz="4000" dirty="0">
-                <a:latin typeface="Times New Roman" panose="02020603050405020304" pitchFamily="18" charset="0"/>
-                <a:cs typeface="Times New Roman" panose="02020603050405020304" pitchFamily="18" charset="0"/>
-              </a:rPr>
-              <a:t> device simulation tool, which is widely used for modeling semiconductor devices.</a:t>
-            </a:r>
-          </a:p>
-          <a:p>
-            <a:pPr algn="just"/>
-            <a:endParaRPr lang="en-US" sz="4000" dirty="0">
-              <a:latin typeface="Times New Roman" panose="02020603050405020304" pitchFamily="18" charset="0"/>
-              <a:cs typeface="Times New Roman" panose="02020603050405020304" pitchFamily="18" charset="0"/>
-            </a:endParaRPr>
-          </a:p>
-          <a:p>
-            <a:pPr algn="just"/>
-            <a:endParaRPr lang="en-US" sz="3600" dirty="0">
-              <a:latin typeface="Times New Roman" panose="02020603050405020304" pitchFamily="18" charset="0"/>
-              <a:cs typeface="Times New Roman" panose="02020603050405020304" pitchFamily="18" charset="0"/>
-            </a:endParaRPr>
-          </a:p>
-          <a:p>
-            <a:pPr algn="just"/>
-            <a:endParaRPr lang="en-US" sz="3200" dirty="0"/>
-          </a:p>
-          <a:p>
-            <a:endParaRPr lang="en-IN" sz="3600" dirty="0"/>
           </a:p>
         </p:txBody>
       </p:sp>
@@ -5781,8 +5696,8 @@
         </p:nvSpPr>
         <p:spPr>
           <a:xfrm>
-            <a:off x="342522" y="5672578"/>
-            <a:ext cx="10072687" cy="10864513"/>
+            <a:off x="180271" y="5335696"/>
+            <a:ext cx="10371902" cy="13865334"/>
           </a:xfrm>
           <a:prstGeom prst="rect">
             <a:avLst/>
@@ -5797,107 +5712,21 @@
           <a:p>
             <a:pPr algn="just"/>
             <a:r>
-              <a:rPr lang="en-US" sz="4000" b="0" i="0" dirty="0">
-                <a:solidFill>
-                  <a:srgbClr val="000000"/>
-                </a:solidFill>
-                <a:effectLst/>
+              <a:rPr lang="en-IN" sz="6000" dirty="0">
                 <a:latin typeface="Times New Roman" panose="02020603050405020304" pitchFamily="18" charset="0"/>
                 <a:cs typeface="Times New Roman" panose="02020603050405020304" pitchFamily="18" charset="0"/>
               </a:rPr>
-              <a:t>A GaN/AlN/AlGaN MOS-HEMT with a cavity under the gate to the side of the drain has been investigated for biosensing. This was varied at the interface to modulate the dielectric properties of this cavity in order to take care of bio-molecule detection. Performance was measured by computation of the threshold voltage Vth and drain current IDS shifts. Electrostatic changes due to bio-immobilization were demonstrated through simulations using the Synopsys Sentaurus tool. The V5 had moved up to 1.1 V, and for the IDS, it had demonstrated a shift of 153.7 mA/mm for neutral biomolecules. DNA demonstrated a shift up to 0.30 V and 65.2 mA/mm, which therefore suggests high sensitivity for the application in biosensing</a:t>
+              <a:t>The project presents a GaN/AlN/HfAlOx MOSHEMT with a nanogap cavity for biosensing. This structure enhances biomolecule detection by modulating the two-dimensional electron gas (2DEG) at the heterojunction. The embedded nanogap cavity improves biomolecule capture, making it suitable for applications in disease diagnostics.</a:t>
             </a:r>
-            <a:r>
-              <a:rPr lang="en-US" sz="6000" b="0" i="0" dirty="0">
-                <a:solidFill>
-                  <a:srgbClr val="000000"/>
-                </a:solidFill>
-                <a:effectLst/>
-                <a:latin typeface="Open Sans" panose="020B0606030504020204" pitchFamily="34" charset="0"/>
-              </a:rPr>
-              <a:t>.</a:t>
-            </a:r>
+          </a:p>
+          <a:p>
+            <a:endParaRPr lang="en-US" sz="6000" dirty="0"/>
+          </a:p>
+          <a:p>
             <a:endParaRPr lang="en-IN" sz="5500" dirty="0"/>
           </a:p>
         </p:txBody>
       </p:sp>
-      <p:sp>
-        <p:nvSpPr>
-          <p:cNvPr id="38" name="TextBox 37">
-            <a:extLst>
-              <a:ext uri="{FF2B5EF4-FFF2-40B4-BE49-F238E27FC236}">
-                <a16:creationId xmlns:a16="http://schemas.microsoft.com/office/drawing/2014/main" id="{BBDE6B47-93C1-4A30-E741-DD059543FFBB}"/>
-              </a:ext>
-            </a:extLst>
-          </p:cNvPr>
-          <p:cNvSpPr txBox="1"/>
-          <p:nvPr/>
-        </p:nvSpPr>
-        <p:spPr>
-          <a:xfrm>
-            <a:off x="398763" y="19436833"/>
-            <a:ext cx="9857610" cy="13634502"/>
-          </a:xfrm>
-          <a:prstGeom prst="rect">
-            <a:avLst/>
-          </a:prstGeom>
-          <a:noFill/>
-        </p:spPr>
-        <p:txBody>
-          <a:bodyPr wrap="square" rtlCol="0">
-            <a:spAutoFit/>
-          </a:bodyPr>
-          <a:lstStyle/>
-          <a:p>
-            <a:pPr algn="just"/>
-            <a:r>
-              <a:rPr lang="en-US" sz="4400" b="0" i="0" dirty="0">
-                <a:solidFill>
-                  <a:srgbClr val="000000"/>
-                </a:solidFill>
-                <a:effectLst/>
-                <a:latin typeface="Times New Roman" panose="02020603050405020304" pitchFamily="18" charset="0"/>
-                <a:cs typeface="Times New Roman" panose="02020603050405020304" pitchFamily="18" charset="0"/>
-              </a:rPr>
-              <a:t>Advanced biosensors were required to expand the requirement for early pathogen detection and monitoring of biomolecular interactions. The limitation associated with traditional ISFETs in detecting neutral biomolecules resulted in the development of dielectric-modulated FETs with cavities under the gate. Chemical instability of silicon-based FET sensors led to a trend toward using GaN-based materials. GaN is known to be sensitive as well as biocompatible in nature. Biomolecules, both neutral and charged ones, were targeted by developing a dielectrically modulated GaN/AlGaN MOS-HEMT with a nanogap cavity through the study. GaN/AlGaN HEMTs have very high electron mobility and 2DEG generation; therefore, it is highly sensitive towards biomolecules and gases.</a:t>
-            </a:r>
-            <a:endParaRPr lang="en-IN" sz="4400" dirty="0">
-              <a:latin typeface="Times New Roman" panose="02020603050405020304" pitchFamily="18" charset="0"/>
-              <a:cs typeface="Times New Roman" panose="02020603050405020304" pitchFamily="18" charset="0"/>
-            </a:endParaRPr>
-          </a:p>
-        </p:txBody>
-      </p:sp>
-      <p:pic>
-        <p:nvPicPr>
-          <p:cNvPr id="5" name="Picture 4">
-            <a:extLst>
-              <a:ext uri="{FF2B5EF4-FFF2-40B4-BE49-F238E27FC236}">
-                <a16:creationId xmlns:a16="http://schemas.microsoft.com/office/drawing/2014/main" id="{297F50C4-CD93-7B3E-4BCF-A7D1A7AFC1A8}"/>
-              </a:ext>
-            </a:extLst>
-          </p:cNvPr>
-          <p:cNvPicPr>
-            <a:picLocks noChangeAspect="1"/>
-          </p:cNvPicPr>
-          <p:nvPr/>
-        </p:nvPicPr>
-        <p:blipFill>
-          <a:blip r:embed="rId3"/>
-          <a:stretch>
-            <a:fillRect/>
-          </a:stretch>
-        </p:blipFill>
-        <p:spPr>
-          <a:xfrm>
-            <a:off x="26898600" y="320343"/>
-            <a:ext cx="5128674" cy="2238707"/>
-          </a:xfrm>
-          <a:prstGeom prst="rect">
-            <a:avLst/>
-          </a:prstGeom>
-        </p:spPr>
-      </p:pic>
       <p:sp>
         <p:nvSpPr>
           <p:cNvPr id="10" name="TextBox 9">
@@ -5913,7 +5742,7 @@
         <p:spPr>
           <a:xfrm>
             <a:off x="-23274" y="2892079"/>
-            <a:ext cx="32050548" cy="784830"/>
+            <a:ext cx="32050548" cy="830997"/>
           </a:xfrm>
           <a:prstGeom prst="rect">
             <a:avLst/>
@@ -5928,136 +5757,21 @@
           <a:p>
             <a:pPr algn="ctr"/>
             <a:r>
-              <a:rPr lang="en-US" sz="4500" b="1" dirty="0">
-                <a:latin typeface="Poppins" panose="00000500000000000000" pitchFamily="2" charset="0"/>
+              <a:rPr lang="en-US" sz="4800" b="1" dirty="0">
+                <a:latin typeface="Times New Roman" panose="02020603050405020304" pitchFamily="18" charset="0"/>
                 <a:ea typeface="SimSun" pitchFamily="2" charset="-122"/>
-                <a:cs typeface="Poppins" panose="00000500000000000000" pitchFamily="2" charset="0"/>
+                <a:cs typeface="Times New Roman" panose="02020603050405020304" pitchFamily="18" charset="0"/>
               </a:rPr>
-              <a:t>Team members name: [PIYUSH KUMAR, ATHUKURI V S SAI JAYANTH, R HIMA BINDU]</a:t>
+              <a:t>Team members names : Piyush Kumar, A V S Sai Jayanth, R Hima Bindu</a:t>
             </a:r>
-            <a:endParaRPr lang="en-IN" sz="4500" b="1" dirty="0">
-              <a:latin typeface="Poppins" panose="00000500000000000000" pitchFamily="2" charset="0"/>
+            <a:endParaRPr lang="en-IN" sz="4800" b="1" dirty="0">
+              <a:latin typeface="Times New Roman" panose="02020603050405020304" pitchFamily="18" charset="0"/>
               <a:ea typeface="SimSun" pitchFamily="2" charset="-122"/>
-              <a:cs typeface="Poppins" panose="00000500000000000000" pitchFamily="2" charset="0"/>
+              <a:cs typeface="Times New Roman" panose="02020603050405020304" pitchFamily="18" charset="0"/>
             </a:endParaRPr>
           </a:p>
         </p:txBody>
       </p:sp>
-      <p:pic>
-        <p:nvPicPr>
-          <p:cNvPr id="13" name="Picture 12">
-            <a:extLst>
-              <a:ext uri="{FF2B5EF4-FFF2-40B4-BE49-F238E27FC236}">
-                <a16:creationId xmlns:a16="http://schemas.microsoft.com/office/drawing/2014/main" id="{8D96FAED-58C9-0E4B-2FA8-3FC130FCA4F3}"/>
-              </a:ext>
-            </a:extLst>
-          </p:cNvPr>
-          <p:cNvPicPr>
-            <a:picLocks noChangeAspect="1"/>
-          </p:cNvPicPr>
-          <p:nvPr/>
-        </p:nvPicPr>
-        <p:blipFill>
-          <a:blip r:embed="rId4"/>
-          <a:stretch>
-            <a:fillRect/>
-          </a:stretch>
-        </p:blipFill>
-        <p:spPr>
-          <a:xfrm>
-            <a:off x="22357383" y="569413"/>
-            <a:ext cx="4541217" cy="1959894"/>
-          </a:xfrm>
-          <a:prstGeom prst="rect">
-            <a:avLst/>
-          </a:prstGeom>
-        </p:spPr>
-      </p:pic>
-      <p:pic>
-        <p:nvPicPr>
-          <p:cNvPr id="39" name="Picture 38">
-            <a:extLst>
-              <a:ext uri="{FF2B5EF4-FFF2-40B4-BE49-F238E27FC236}">
-                <a16:creationId xmlns:a16="http://schemas.microsoft.com/office/drawing/2014/main" id="{4B50CB9E-3F1E-1A3C-E08D-84540C18F1CB}"/>
-              </a:ext>
-            </a:extLst>
-          </p:cNvPr>
-          <p:cNvPicPr>
-            <a:picLocks noChangeAspect="1"/>
-          </p:cNvPicPr>
-          <p:nvPr/>
-        </p:nvPicPr>
-        <p:blipFill>
-          <a:blip r:embed="rId5">
-            <a:extLst>
-              <a:ext uri="{BEBA8EAE-BF5A-486C-A8C5-ECC9F3942E4B}">
-                <a14:imgProps xmlns:a14="http://schemas.microsoft.com/office/drawing/2010/main">
-                  <a14:imgLayer r:embed="rId6">
-                    <a14:imgEffect>
-                      <a14:backgroundRemoval t="9609" b="93950" l="3113" r="94553">
-                        <a14:foregroundMark x1="3113" y1="14947" x2="3113" y2="14947"/>
-                        <a14:foregroundMark x1="14008" y1="16726" x2="14008" y2="16726"/>
-                        <a14:foregroundMark x1="22179" y1="21352" x2="22179" y2="21352"/>
-                        <a14:foregroundMark x1="30350" y1="19929" x2="30350" y2="19929"/>
-                        <a14:foregroundMark x1="32879" y1="39146" x2="32879" y2="39146"/>
-                        <a14:foregroundMark x1="9339" y1="44840" x2="9339" y2="44840"/>
-                        <a14:foregroundMark x1="42996" y1="39858" x2="42996" y2="39858"/>
-                        <a14:foregroundMark x1="53696" y1="39858" x2="53696" y2="39858"/>
-                        <a14:foregroundMark x1="63035" y1="41993" x2="63035" y2="41993"/>
-                        <a14:foregroundMark x1="75875" y1="40925" x2="75875" y2="40925"/>
-                        <a14:foregroundMark x1="80545" y1="35587" x2="80545" y2="35587"/>
-                        <a14:foregroundMark x1="94553" y1="44128" x2="94553" y2="44128"/>
-                        <a14:foregroundMark x1="8171" y1="56940" x2="8171" y2="56940"/>
-                        <a14:foregroundMark x1="13619" y1="58363" x2="13619" y2="58363"/>
-                        <a14:foregroundMark x1="21206" y1="57651" x2="21206" y2="57651"/>
-                        <a14:foregroundMark x1="28016" y1="59786" x2="28016" y2="59786"/>
-                        <a14:foregroundMark x1="36770" y1="61210" x2="36770" y2="61210"/>
-                        <a14:foregroundMark x1="8171" y1="87544" x2="8171" y2="87544"/>
-                        <a14:foregroundMark x1="14981" y1="87544" x2="14981" y2="87544"/>
-                        <a14:foregroundMark x1="21984" y1="87544" x2="21984" y2="87544"/>
-                        <a14:foregroundMark x1="32296" y1="88256" x2="32296" y2="88256"/>
-                        <a14:foregroundMark x1="43580" y1="91103" x2="43580" y2="91103"/>
-                        <a14:foregroundMark x1="52918" y1="88256" x2="52918" y2="88256"/>
-                        <a14:foregroundMark x1="63230" y1="93950" x2="63230" y2="93950"/>
-                        <a14:foregroundMark x1="71595" y1="90391" x2="71595" y2="90391"/>
-                        <a14:foregroundMark x1="81907" y1="92171" x2="81907" y2="92171"/>
-                        <a14:foregroundMark x1="14008" y1="37722" x2="14008" y2="37722"/>
-                        <a14:foregroundMark x1="23346" y1="40569" x2="23346" y2="40569"/>
-                        <a14:backgroundMark x1="6420" y1="39146" x2="6420" y2="39146"/>
-                        <a14:backgroundMark x1="7004" y1="39146" x2="7004" y2="39146"/>
-                        <a14:backgroundMark x1="7004" y1="40925" x2="7004" y2="40925"/>
-                        <a14:backgroundMark x1="6420" y1="41993" x2="6420" y2="41993"/>
-                        <a14:backgroundMark x1="5837" y1="38078" x2="5837" y2="38078"/>
-                        <a14:backgroundMark x1="6226" y1="41281" x2="6226" y2="41281"/>
-                        <a14:backgroundMark x1="6615" y1="84698" x2="6615" y2="84698"/>
-                        <a14:backgroundMark x1="46109" y1="88256" x2="46109" y2="88256"/>
-                        <a14:backgroundMark x1="73346" y1="86121" x2="73346" y2="86121"/>
-                        <a14:backgroundMark x1="45525" y1="38078" x2="45525" y2="38078"/>
-                        <a14:backgroundMark x1="34436" y1="39858" x2="34436" y2="39858"/>
-                        <a14:backgroundMark x1="25875" y1="37722" x2="25875" y2="37722"/>
-                        <a14:backgroundMark x1="29183" y1="63345" x2="29183" y2="63345"/>
-                        <a14:backgroundMark x1="20428" y1="38434" x2="20428" y2="38434"/>
-                      </a14:backgroundRemoval>
-                    </a14:imgEffect>
-                  </a14:imgLayer>
-                </a14:imgProps>
-              </a:ext>
-            </a:extLst>
-          </a:blip>
-          <a:stretch>
-            <a:fillRect/>
-          </a:stretch>
-        </p:blipFill>
-        <p:spPr>
-          <a:xfrm>
-            <a:off x="4990684" y="217721"/>
-            <a:ext cx="3865337" cy="2113153"/>
-          </a:xfrm>
-          <a:prstGeom prst="rect">
-            <a:avLst/>
-          </a:prstGeom>
-        </p:spPr>
-      </p:pic>
       <p:sp>
         <p:nvSpPr>
           <p:cNvPr id="4" name="Rectangle: Rounded Corners 3">
@@ -6171,8 +5885,8 @@
         </p:nvSpPr>
         <p:spPr>
           <a:xfrm>
-            <a:off x="21047062" y="16634796"/>
-            <a:ext cx="9964748" cy="6832640"/>
+            <a:off x="21084626" y="16766372"/>
+            <a:ext cx="10140045" cy="7402026"/>
           </a:xfrm>
           <a:prstGeom prst="rect">
             <a:avLst/>
@@ -6185,38 +5899,25 @@
           </a:bodyPr>
           <a:lstStyle/>
           <a:p>
-            <a:pPr algn="just"/>
             <a:r>
-              <a:rPr lang="en-US" sz="5400" b="0" i="0" dirty="0">
-                <a:solidFill>
-                  <a:srgbClr val="000000"/>
-                </a:solidFill>
-                <a:effectLst/>
+              <a:rPr lang="en-US" sz="6000" dirty="0">
                 <a:latin typeface="Times New Roman" panose="02020603050405020304" pitchFamily="18" charset="0"/>
                 <a:cs typeface="Times New Roman" panose="02020603050405020304" pitchFamily="18" charset="0"/>
               </a:rPr>
-              <a:t>Biosensing by a cavity under the gate located in GaN/AlGaN HEMT Biosensing with charged and neutral biomolecules is realized by changes in threshold voltage and drain current. The sensitivity is enhanced for biomedical applications</a:t>
+              <a:t>The GaN/AlN/HfAlOx MOSHEMT biosensor offers high sensitivity and selectivity, with a nanogap cavity enhancing detection efficiency, confirming its biomedical potential.</a:t>
             </a:r>
-            <a:r>
-              <a:rPr lang="en-US" sz="6000" b="0" i="0" dirty="0">
-                <a:solidFill>
-                  <a:srgbClr val="000000"/>
-                </a:solidFill>
-                <a:effectLst/>
-                <a:latin typeface="Open Sans" panose="020B0606030504020204" pitchFamily="34" charset="0"/>
-              </a:rPr>
-              <a:t>.</a:t>
-            </a:r>
+          </a:p>
+          <a:p>
             <a:endParaRPr lang="en-IN" sz="5500" dirty="0"/>
           </a:p>
         </p:txBody>
       </p:sp>
       <p:pic>
         <p:nvPicPr>
-          <p:cNvPr id="43" name="Picture 42">
+          <p:cNvPr id="40" name="Picture 39">
             <a:extLst>
               <a:ext uri="{FF2B5EF4-FFF2-40B4-BE49-F238E27FC236}">
-                <a16:creationId xmlns:a16="http://schemas.microsoft.com/office/drawing/2014/main" id="{E4F16503-00D9-B417-6C07-29E72411FCA6}"/>
+                <a16:creationId xmlns:a16="http://schemas.microsoft.com/office/drawing/2014/main" id="{62B22832-CBC2-E34A-62BC-91F29AC8EB40}"/>
               </a:ext>
             </a:extLst>
           </p:cNvPr>
@@ -6226,15 +5927,15 @@
           <p:nvPr/>
         </p:nvPicPr>
         <p:blipFill>
-          <a:blip r:embed="rId7"/>
+          <a:blip r:embed="rId2"/>
           <a:stretch>
             <a:fillRect/>
           </a:stretch>
         </p:blipFill>
         <p:spPr>
           <a:xfrm>
-            <a:off x="11014057" y="13143504"/>
-            <a:ext cx="9740160" cy="11132546"/>
+            <a:off x="-165424" y="-31750"/>
+            <a:ext cx="5538950" cy="3042162"/>
           </a:xfrm>
           <a:prstGeom prst="rect">
             <a:avLst/>
@@ -6243,10 +5944,10 @@
       </p:pic>
       <p:pic>
         <p:nvPicPr>
-          <p:cNvPr id="44" name="Picture 43">
+          <p:cNvPr id="5" name="Picture 4">
             <a:extLst>
               <a:ext uri="{FF2B5EF4-FFF2-40B4-BE49-F238E27FC236}">
-                <a16:creationId xmlns:a16="http://schemas.microsoft.com/office/drawing/2014/main" id="{859BD50D-CC52-8009-3C84-EF13E12C9645}"/>
+                <a16:creationId xmlns:a16="http://schemas.microsoft.com/office/drawing/2014/main" id="{6BC36FE7-C19A-3B9B-5540-8BB91AE04D95}"/>
               </a:ext>
             </a:extLst>
           </p:cNvPr>
@@ -6256,19 +5957,2192 @@
           <p:nvPr/>
         </p:nvPicPr>
         <p:blipFill>
-          <a:blip r:embed="rId8"/>
+          <a:blip r:embed="rId3"/>
           <a:stretch>
             <a:fillRect/>
           </a:stretch>
         </p:blipFill>
         <p:spPr>
           <a:xfrm>
-            <a:off x="20935546" y="5772817"/>
-            <a:ext cx="10458851" cy="9268751"/>
+            <a:off x="26217014" y="-184150"/>
+            <a:ext cx="5501547" cy="3345646"/>
           </a:xfrm>
           <a:prstGeom prst="rect">
             <a:avLst/>
           </a:prstGeom>
+        </p:spPr>
+      </p:pic>
+      <p:sp>
+        <p:nvSpPr>
+          <p:cNvPr id="9" name="Rectangle: Rounded Corners 8">
+            <a:extLst>
+              <a:ext uri="{FF2B5EF4-FFF2-40B4-BE49-F238E27FC236}">
+                <a16:creationId xmlns:a16="http://schemas.microsoft.com/office/drawing/2014/main" id="{D3DD19E9-B27A-C1B6-1366-75190C8E3FC9}"/>
+              </a:ext>
+            </a:extLst>
+          </p:cNvPr>
+          <p:cNvSpPr/>
+          <p:nvPr/>
+        </p:nvSpPr>
+        <p:spPr>
+          <a:xfrm>
+            <a:off x="10916716" y="33572450"/>
+            <a:ext cx="20678015" cy="2537372"/>
+          </a:xfrm>
+          <a:prstGeom prst="roundRect">
+            <a:avLst>
+              <a:gd name="adj" fmla="val 2490"/>
+            </a:avLst>
+          </a:prstGeom>
+          <a:solidFill>
+            <a:schemeClr val="accent6">
+              <a:lumMod val="20000"/>
+              <a:lumOff val="80000"/>
+            </a:schemeClr>
+          </a:solidFill>
+          <a:ln>
+            <a:noFill/>
+          </a:ln>
+        </p:spPr>
+        <p:style>
+          <a:lnRef idx="2">
+            <a:schemeClr val="accent1">
+              <a:shade val="15000"/>
+            </a:schemeClr>
+          </a:lnRef>
+          <a:fillRef idx="1">
+            <a:schemeClr val="accent1"/>
+          </a:fillRef>
+          <a:effectRef idx="0">
+            <a:schemeClr val="accent1"/>
+          </a:effectRef>
+          <a:fontRef idx="minor">
+            <a:schemeClr val="lt1"/>
+          </a:fontRef>
+        </p:style>
+        <p:txBody>
+          <a:bodyPr rtlCol="0" anchor="ctr"/>
+          <a:lstStyle/>
+          <a:p>
+            <a:pPr algn="ctr"/>
+            <a:endParaRPr lang="en-IN"/>
+          </a:p>
+        </p:txBody>
+      </p:sp>
+      <p:sp>
+        <p:nvSpPr>
+          <p:cNvPr id="13" name="TextBox 12">
+            <a:extLst>
+              <a:ext uri="{FF2B5EF4-FFF2-40B4-BE49-F238E27FC236}">
+                <a16:creationId xmlns:a16="http://schemas.microsoft.com/office/drawing/2014/main" id="{7B7353B8-4ED1-FA4F-BE2B-828924DF71E8}"/>
+              </a:ext>
+            </a:extLst>
+          </p:cNvPr>
+          <p:cNvSpPr txBox="1"/>
+          <p:nvPr/>
+        </p:nvSpPr>
+        <p:spPr>
+          <a:xfrm>
+            <a:off x="11017083" y="33420050"/>
+            <a:ext cx="6171882" cy="1092607"/>
+          </a:xfrm>
+          <a:prstGeom prst="rect">
+            <a:avLst/>
+          </a:prstGeom>
+          <a:noFill/>
+        </p:spPr>
+        <p:txBody>
+          <a:bodyPr wrap="none" rtlCol="0">
+            <a:spAutoFit/>
+          </a:bodyPr>
+          <a:lstStyle/>
+          <a:p>
+            <a:r>
+              <a:rPr lang="en-IN" sz="6500" b="1" dirty="0">
+                <a:latin typeface="Poppins" panose="00000500000000000000" pitchFamily="2" charset="0"/>
+                <a:cs typeface="Poppins" panose="00000500000000000000" pitchFamily="2" charset="0"/>
+              </a:rPr>
+              <a:t>To know more</a:t>
+            </a:r>
+          </a:p>
+        </p:txBody>
+      </p:sp>
+      <p:sp>
+        <p:nvSpPr>
+          <p:cNvPr id="41" name="TextBox 40">
+            <a:extLst>
+              <a:ext uri="{FF2B5EF4-FFF2-40B4-BE49-F238E27FC236}">
+                <a16:creationId xmlns:a16="http://schemas.microsoft.com/office/drawing/2014/main" id="{B32D3E79-306C-6867-B378-9F8A9F8FA380}"/>
+              </a:ext>
+            </a:extLst>
+          </p:cNvPr>
+          <p:cNvSpPr txBox="1"/>
+          <p:nvPr/>
+        </p:nvSpPr>
+        <p:spPr>
+          <a:xfrm>
+            <a:off x="11046578" y="34310131"/>
+            <a:ext cx="3570208" cy="1785104"/>
+          </a:xfrm>
+          <a:prstGeom prst="rect">
+            <a:avLst/>
+          </a:prstGeom>
+          <a:noFill/>
+        </p:spPr>
+        <p:txBody>
+          <a:bodyPr wrap="none" rtlCol="0">
+            <a:spAutoFit/>
+          </a:bodyPr>
+          <a:lstStyle/>
+          <a:p>
+            <a:r>
+              <a:rPr lang="en-IN" sz="5500" dirty="0"/>
+              <a:t>GitHub link:</a:t>
+            </a:r>
+          </a:p>
+          <a:p>
+            <a:r>
+              <a:rPr lang="en-IN" sz="5500" dirty="0"/>
+              <a:t>Video link:</a:t>
+            </a:r>
+          </a:p>
+        </p:txBody>
+      </p:sp>
+      <p:pic>
+        <p:nvPicPr>
+          <p:cNvPr id="1026" name="Picture 2" descr="News.mscrm-addons.com Blog | The ...">
+            <a:extLst>
+              <a:ext uri="{FF2B5EF4-FFF2-40B4-BE49-F238E27FC236}">
+                <a16:creationId xmlns:a16="http://schemas.microsoft.com/office/drawing/2014/main" id="{D301EA1F-7C81-A1A9-D74E-32E3E2663F7D}"/>
+              </a:ext>
+            </a:extLst>
+          </p:cNvPr>
+          <p:cNvPicPr>
+            <a:picLocks noChangeAspect="1" noChangeArrowheads="1"/>
+          </p:cNvPicPr>
+          <p:nvPr/>
+        </p:nvPicPr>
+        <p:blipFill>
+          <a:blip r:embed="rId4">
+            <a:extLst>
+              <a:ext uri="{28A0092B-C50C-407E-A947-70E740481C1C}">
+                <a14:useLocalDpi xmlns:a14="http://schemas.microsoft.com/office/drawing/2010/main" val="0"/>
+              </a:ext>
+            </a:extLst>
+          </a:blip>
+          <a:srcRect/>
+          <a:stretch>
+            <a:fillRect/>
+          </a:stretch>
+        </p:blipFill>
+        <p:spPr bwMode="auto">
+          <a:xfrm>
+            <a:off x="29308019" y="33744033"/>
+            <a:ext cx="2143125" cy="2143125"/>
+          </a:xfrm>
+          <a:prstGeom prst="rect">
+            <a:avLst/>
+          </a:prstGeom>
+          <a:noFill/>
+          <a:extLst>
+            <a:ext uri="{909E8E84-426E-40DD-AFC4-6F175D3DCCD1}">
+              <a14:hiddenFill xmlns:a14="http://schemas.microsoft.com/office/drawing/2010/main">
+                <a:solidFill>
+                  <a:srgbClr val="FFFFFF"/>
+                </a:solidFill>
+              </a14:hiddenFill>
+            </a:ext>
+          </a:extLst>
+        </p:spPr>
+      </p:pic>
+      <p:sp>
+        <p:nvSpPr>
+          <p:cNvPr id="43" name="TextBox 42">
+            <a:extLst>
+              <a:ext uri="{FF2B5EF4-FFF2-40B4-BE49-F238E27FC236}">
+                <a16:creationId xmlns:a16="http://schemas.microsoft.com/office/drawing/2014/main" id="{D4CAD7F3-C04B-6286-0ED2-7FF51063F3FF}"/>
+              </a:ext>
+            </a:extLst>
+          </p:cNvPr>
+          <p:cNvSpPr txBox="1"/>
+          <p:nvPr/>
+        </p:nvSpPr>
+        <p:spPr>
+          <a:xfrm>
+            <a:off x="280577" y="19210697"/>
+            <a:ext cx="10000040" cy="14219277"/>
+          </a:xfrm>
+          <a:prstGeom prst="rect">
+            <a:avLst/>
+          </a:prstGeom>
+          <a:noFill/>
+        </p:spPr>
+        <p:txBody>
+          <a:bodyPr wrap="square">
+            <a:spAutoFit/>
+          </a:bodyPr>
+          <a:lstStyle/>
+          <a:p>
+            <a:pPr algn="just"/>
+            <a:r>
+              <a:rPr lang="en-US" sz="5400" dirty="0">
+                <a:latin typeface="Times New Roman" panose="02020603050405020304" pitchFamily="18" charset="0"/>
+                <a:cs typeface="Times New Roman" panose="02020603050405020304" pitchFamily="18" charset="0"/>
+              </a:rPr>
+              <a:t>GaN-based MOSHEMTs offer high electron mobility, a wide bandgap (3.4 eV), and excellent chemical stability, making them ideal for biosensing. Their robustness enables reliable operation in extreme conditions. The nanogap cavity enhances dielectric modulation, improving biomolecule detection. Al₂O₃ passivation minimizes defects, stabilizes performance, and boosts long-term reliability. With high-speed response and low power consumption, this device is well-suited for real-time and portable biosensing applications.</a:t>
+            </a:r>
+            <a:endParaRPr lang="en-IN" sz="5400" dirty="0">
+              <a:latin typeface="Times New Roman" panose="02020603050405020304" pitchFamily="18" charset="0"/>
+              <a:cs typeface="Times New Roman" panose="02020603050405020304" pitchFamily="18" charset="0"/>
+            </a:endParaRPr>
+          </a:p>
+        </p:txBody>
+      </p:sp>
+      <p:grpSp>
+        <p:nvGrpSpPr>
+          <p:cNvPr id="42" name="Group 41">
+            <a:extLst>
+              <a:ext uri="{FF2B5EF4-FFF2-40B4-BE49-F238E27FC236}">
+                <a16:creationId xmlns:a16="http://schemas.microsoft.com/office/drawing/2014/main" id="{382B639B-683C-5410-3415-6B439E83A202}"/>
+              </a:ext>
+            </a:extLst>
+          </p:cNvPr>
+          <p:cNvGrpSpPr/>
+          <p:nvPr/>
+        </p:nvGrpSpPr>
+        <p:grpSpPr>
+          <a:xfrm>
+            <a:off x="8382001" y="13744730"/>
+            <a:ext cx="12017434" cy="10439388"/>
+            <a:chOff x="293407" y="1000601"/>
+            <a:chExt cx="9642589" cy="5735761"/>
+          </a:xfrm>
+        </p:grpSpPr>
+        <p:grpSp>
+          <p:nvGrpSpPr>
+            <p:cNvPr id="44" name="Group 43">
+              <a:extLst>
+                <a:ext uri="{FF2B5EF4-FFF2-40B4-BE49-F238E27FC236}">
+                  <a16:creationId xmlns:a16="http://schemas.microsoft.com/office/drawing/2014/main" id="{B091F7D2-3E9A-97DA-DF55-53EE25001179}"/>
+                </a:ext>
+              </a:extLst>
+            </p:cNvPr>
+            <p:cNvGrpSpPr/>
+            <p:nvPr/>
+          </p:nvGrpSpPr>
+          <p:grpSpPr>
+            <a:xfrm>
+              <a:off x="2579851" y="1148614"/>
+              <a:ext cx="7356145" cy="5587748"/>
+              <a:chOff x="2500950" y="622614"/>
+              <a:chExt cx="7356145" cy="5587748"/>
+            </a:xfrm>
+          </p:grpSpPr>
+          <p:grpSp>
+            <p:nvGrpSpPr>
+              <p:cNvPr id="1060" name="Group 1059">
+                <a:extLst>
+                  <a:ext uri="{FF2B5EF4-FFF2-40B4-BE49-F238E27FC236}">
+                    <a16:creationId xmlns:a16="http://schemas.microsoft.com/office/drawing/2014/main" id="{540D35C7-6F43-04C1-D222-1476751E1B2D}"/>
+                  </a:ext>
+                </a:extLst>
+              </p:cNvPr>
+              <p:cNvGrpSpPr/>
+              <p:nvPr/>
+            </p:nvGrpSpPr>
+            <p:grpSpPr>
+              <a:xfrm>
+                <a:off x="2500950" y="938283"/>
+                <a:ext cx="7356145" cy="4981433"/>
+                <a:chOff x="2565777" y="1296537"/>
+                <a:chExt cx="7356145" cy="4981433"/>
+              </a:xfrm>
+            </p:grpSpPr>
+            <p:sp>
+              <p:nvSpPr>
+                <p:cNvPr id="1081" name="Rectangle 1080">
+                  <a:extLst>
+                    <a:ext uri="{FF2B5EF4-FFF2-40B4-BE49-F238E27FC236}">
+                      <a16:creationId xmlns:a16="http://schemas.microsoft.com/office/drawing/2014/main" id="{07C774A8-3854-65BA-CA2F-E2A22E05E3F9}"/>
+                    </a:ext>
+                  </a:extLst>
+                </p:cNvPr>
+                <p:cNvSpPr/>
+                <p:nvPr/>
+              </p:nvSpPr>
+              <p:spPr>
+                <a:xfrm>
+                  <a:off x="2565779" y="4872251"/>
+                  <a:ext cx="7356143" cy="1405719"/>
+                </a:xfrm>
+                <a:prstGeom prst="rect">
+                  <a:avLst/>
+                </a:prstGeom>
+                <a:solidFill>
+                  <a:schemeClr val="accent3">
+                    <a:lumMod val="50000"/>
+                  </a:schemeClr>
+                </a:solidFill>
+              </p:spPr>
+              <p:style>
+                <a:lnRef idx="2">
+                  <a:schemeClr val="accent1">
+                    <a:shade val="15000"/>
+                  </a:schemeClr>
+                </a:lnRef>
+                <a:fillRef idx="1">
+                  <a:schemeClr val="accent1"/>
+                </a:fillRef>
+                <a:effectRef idx="0">
+                  <a:schemeClr val="accent1"/>
+                </a:effectRef>
+                <a:fontRef idx="minor">
+                  <a:schemeClr val="lt1"/>
+                </a:fontRef>
+              </p:style>
+              <p:txBody>
+                <a:bodyPr rtlCol="0" anchor="ctr"/>
+                <a:lstStyle/>
+                <a:p>
+                  <a:pPr algn="ctr"/>
+                  <a:endParaRPr lang="en-IN"/>
+                </a:p>
+              </p:txBody>
+            </p:sp>
+            <p:sp>
+              <p:nvSpPr>
+                <p:cNvPr id="1082" name="Rectangle 1081">
+                  <a:extLst>
+                    <a:ext uri="{FF2B5EF4-FFF2-40B4-BE49-F238E27FC236}">
+                      <a16:creationId xmlns:a16="http://schemas.microsoft.com/office/drawing/2014/main" id="{9EE6B576-1710-651C-95D3-04E21E76E05D}"/>
+                    </a:ext>
+                  </a:extLst>
+                </p:cNvPr>
+                <p:cNvSpPr/>
+                <p:nvPr/>
+              </p:nvSpPr>
+              <p:spPr>
+                <a:xfrm>
+                  <a:off x="2565779" y="4517409"/>
+                  <a:ext cx="7356143" cy="354842"/>
+                </a:xfrm>
+                <a:prstGeom prst="rect">
+                  <a:avLst/>
+                </a:prstGeom>
+                <a:solidFill>
+                  <a:schemeClr val="tx2">
+                    <a:lumMod val="75000"/>
+                  </a:schemeClr>
+                </a:solidFill>
+              </p:spPr>
+              <p:style>
+                <a:lnRef idx="2">
+                  <a:schemeClr val="accent1">
+                    <a:shade val="15000"/>
+                  </a:schemeClr>
+                </a:lnRef>
+                <a:fillRef idx="1">
+                  <a:schemeClr val="accent1"/>
+                </a:fillRef>
+                <a:effectRef idx="0">
+                  <a:schemeClr val="accent1"/>
+                </a:effectRef>
+                <a:fontRef idx="minor">
+                  <a:schemeClr val="lt1"/>
+                </a:fontRef>
+              </p:style>
+              <p:txBody>
+                <a:bodyPr rtlCol="0" anchor="ctr"/>
+                <a:lstStyle/>
+                <a:p>
+                  <a:pPr algn="ctr"/>
+                  <a:r>
+                    <a:rPr lang="en-IN" dirty="0"/>
+                    <a:t> </a:t>
+                  </a:r>
+                </a:p>
+              </p:txBody>
+            </p:sp>
+            <p:sp>
+              <p:nvSpPr>
+                <p:cNvPr id="1083" name="Rectangle 1082">
+                  <a:extLst>
+                    <a:ext uri="{FF2B5EF4-FFF2-40B4-BE49-F238E27FC236}">
+                      <a16:creationId xmlns:a16="http://schemas.microsoft.com/office/drawing/2014/main" id="{5F8D5B08-D0C3-A7E5-76CF-9423338C5D30}"/>
+                    </a:ext>
+                  </a:extLst>
+                </p:cNvPr>
+                <p:cNvSpPr/>
+                <p:nvPr/>
+              </p:nvSpPr>
+              <p:spPr>
+                <a:xfrm>
+                  <a:off x="2565778" y="3807726"/>
+                  <a:ext cx="7356144" cy="709684"/>
+                </a:xfrm>
+                <a:prstGeom prst="rect">
+                  <a:avLst/>
+                </a:prstGeom>
+                <a:solidFill>
+                  <a:srgbClr val="15BEF3"/>
+                </a:solidFill>
+              </p:spPr>
+              <p:style>
+                <a:lnRef idx="2">
+                  <a:schemeClr val="accent1">
+                    <a:shade val="15000"/>
+                  </a:schemeClr>
+                </a:lnRef>
+                <a:fillRef idx="1">
+                  <a:schemeClr val="accent1"/>
+                </a:fillRef>
+                <a:effectRef idx="0">
+                  <a:schemeClr val="accent1"/>
+                </a:effectRef>
+                <a:fontRef idx="minor">
+                  <a:schemeClr val="lt1"/>
+                </a:fontRef>
+              </p:style>
+              <p:txBody>
+                <a:bodyPr rtlCol="0" anchor="ctr"/>
+                <a:lstStyle/>
+                <a:p>
+                  <a:pPr algn="ctr"/>
+                  <a:endParaRPr lang="en-IN"/>
+                </a:p>
+              </p:txBody>
+            </p:sp>
+            <p:sp>
+              <p:nvSpPr>
+                <p:cNvPr id="1084" name="Rectangle 1083">
+                  <a:extLst>
+                    <a:ext uri="{FF2B5EF4-FFF2-40B4-BE49-F238E27FC236}">
+                      <a16:creationId xmlns:a16="http://schemas.microsoft.com/office/drawing/2014/main" id="{6B96332F-B5B4-ED80-4083-D8B123AD04C0}"/>
+                    </a:ext>
+                  </a:extLst>
+                </p:cNvPr>
+                <p:cNvSpPr/>
+                <p:nvPr/>
+              </p:nvSpPr>
+              <p:spPr>
+                <a:xfrm>
+                  <a:off x="2565777" y="3330053"/>
+                  <a:ext cx="7356142" cy="477672"/>
+                </a:xfrm>
+                <a:prstGeom prst="rect">
+                  <a:avLst/>
+                </a:prstGeom>
+                <a:solidFill>
+                  <a:srgbClr val="333F50"/>
+                </a:solidFill>
+              </p:spPr>
+              <p:style>
+                <a:lnRef idx="2">
+                  <a:schemeClr val="accent1">
+                    <a:shade val="15000"/>
+                  </a:schemeClr>
+                </a:lnRef>
+                <a:fillRef idx="1">
+                  <a:schemeClr val="accent1"/>
+                </a:fillRef>
+                <a:effectRef idx="0">
+                  <a:schemeClr val="accent1"/>
+                </a:effectRef>
+                <a:fontRef idx="minor">
+                  <a:schemeClr val="lt1"/>
+                </a:fontRef>
+              </p:style>
+              <p:txBody>
+                <a:bodyPr rtlCol="0" anchor="ctr"/>
+                <a:lstStyle/>
+                <a:p>
+                  <a:pPr algn="ctr"/>
+                  <a:endParaRPr lang="en-IN"/>
+                </a:p>
+              </p:txBody>
+            </p:sp>
+            <p:sp>
+              <p:nvSpPr>
+                <p:cNvPr id="1085" name="Rectangle 1084">
+                  <a:extLst>
+                    <a:ext uri="{FF2B5EF4-FFF2-40B4-BE49-F238E27FC236}">
+                      <a16:creationId xmlns:a16="http://schemas.microsoft.com/office/drawing/2014/main" id="{20425398-43E5-6B85-D134-541475C32FDB}"/>
+                    </a:ext>
+                  </a:extLst>
+                </p:cNvPr>
+                <p:cNvSpPr/>
+                <p:nvPr/>
+              </p:nvSpPr>
+              <p:spPr>
+                <a:xfrm>
+                  <a:off x="2565777" y="2265527"/>
+                  <a:ext cx="7356142" cy="1064525"/>
+                </a:xfrm>
+                <a:prstGeom prst="rect">
+                  <a:avLst/>
+                </a:prstGeom>
+              </p:spPr>
+              <p:style>
+                <a:lnRef idx="2">
+                  <a:schemeClr val="accent1">
+                    <a:shade val="15000"/>
+                  </a:schemeClr>
+                </a:lnRef>
+                <a:fillRef idx="1">
+                  <a:schemeClr val="accent1"/>
+                </a:fillRef>
+                <a:effectRef idx="0">
+                  <a:schemeClr val="accent1"/>
+                </a:effectRef>
+                <a:fontRef idx="minor">
+                  <a:schemeClr val="lt1"/>
+                </a:fontRef>
+              </p:style>
+              <p:txBody>
+                <a:bodyPr rtlCol="0" anchor="ctr"/>
+                <a:lstStyle/>
+                <a:p>
+                  <a:pPr algn="ctr"/>
+                  <a:endParaRPr lang="en-IN" dirty="0"/>
+                </a:p>
+              </p:txBody>
+            </p:sp>
+            <p:sp>
+              <p:nvSpPr>
+                <p:cNvPr id="1086" name="Rectangle 1085">
+                  <a:extLst>
+                    <a:ext uri="{FF2B5EF4-FFF2-40B4-BE49-F238E27FC236}">
+                      <a16:creationId xmlns:a16="http://schemas.microsoft.com/office/drawing/2014/main" id="{E6BDD49E-A561-617C-B40B-13AA4B2B7841}"/>
+                    </a:ext>
+                  </a:extLst>
+                </p:cNvPr>
+                <p:cNvSpPr/>
+                <p:nvPr/>
+              </p:nvSpPr>
+              <p:spPr>
+                <a:xfrm>
+                  <a:off x="2565777" y="1924334"/>
+                  <a:ext cx="7356142" cy="341193"/>
+                </a:xfrm>
+                <a:prstGeom prst="rect">
+                  <a:avLst/>
+                </a:prstGeom>
+                <a:solidFill>
+                  <a:schemeClr val="accent2">
+                    <a:lumMod val="50000"/>
+                  </a:schemeClr>
+                </a:solidFill>
+              </p:spPr>
+              <p:style>
+                <a:lnRef idx="2">
+                  <a:schemeClr val="accent1">
+                    <a:shade val="15000"/>
+                  </a:schemeClr>
+                </a:lnRef>
+                <a:fillRef idx="1">
+                  <a:schemeClr val="accent1"/>
+                </a:fillRef>
+                <a:effectRef idx="0">
+                  <a:schemeClr val="accent1"/>
+                </a:effectRef>
+                <a:fontRef idx="minor">
+                  <a:schemeClr val="lt1"/>
+                </a:fontRef>
+              </p:style>
+              <p:txBody>
+                <a:bodyPr rtlCol="0" anchor="ctr"/>
+                <a:lstStyle/>
+                <a:p>
+                  <a:pPr algn="ctr"/>
+                  <a:endParaRPr lang="en-IN"/>
+                </a:p>
+              </p:txBody>
+            </p:sp>
+            <p:sp>
+              <p:nvSpPr>
+                <p:cNvPr id="1087" name="Rectangle 1086">
+                  <a:extLst>
+                    <a:ext uri="{FF2B5EF4-FFF2-40B4-BE49-F238E27FC236}">
+                      <a16:creationId xmlns:a16="http://schemas.microsoft.com/office/drawing/2014/main" id="{799F0912-9EE3-D73E-6CAF-D746655C56E8}"/>
+                    </a:ext>
+                  </a:extLst>
+                </p:cNvPr>
+                <p:cNvSpPr/>
+                <p:nvPr/>
+              </p:nvSpPr>
+              <p:spPr>
+                <a:xfrm>
+                  <a:off x="2565777" y="1853629"/>
+                  <a:ext cx="1487608" cy="1954096"/>
+                </a:xfrm>
+                <a:prstGeom prst="rect">
+                  <a:avLst/>
+                </a:prstGeom>
+                <a:solidFill>
+                  <a:schemeClr val="accent4">
+                    <a:lumMod val="60000"/>
+                    <a:lumOff val="40000"/>
+                  </a:schemeClr>
+                </a:solidFill>
+              </p:spPr>
+              <p:style>
+                <a:lnRef idx="2">
+                  <a:schemeClr val="accent1">
+                    <a:shade val="15000"/>
+                  </a:schemeClr>
+                </a:lnRef>
+                <a:fillRef idx="1">
+                  <a:schemeClr val="accent1"/>
+                </a:fillRef>
+                <a:effectRef idx="0">
+                  <a:schemeClr val="accent1"/>
+                </a:effectRef>
+                <a:fontRef idx="minor">
+                  <a:schemeClr val="lt1"/>
+                </a:fontRef>
+              </p:style>
+              <p:txBody>
+                <a:bodyPr rtlCol="0" anchor="ctr"/>
+                <a:lstStyle/>
+                <a:p>
+                  <a:pPr algn="ctr"/>
+                  <a:endParaRPr lang="en-IN"/>
+                </a:p>
+              </p:txBody>
+            </p:sp>
+            <p:sp>
+              <p:nvSpPr>
+                <p:cNvPr id="1088" name="Rectangle 1087">
+                  <a:extLst>
+                    <a:ext uri="{FF2B5EF4-FFF2-40B4-BE49-F238E27FC236}">
+                      <a16:creationId xmlns:a16="http://schemas.microsoft.com/office/drawing/2014/main" id="{17D34E55-B6DE-5689-4419-BCFD966C7F17}"/>
+                    </a:ext>
+                  </a:extLst>
+                </p:cNvPr>
+                <p:cNvSpPr/>
+                <p:nvPr/>
+              </p:nvSpPr>
+              <p:spPr>
+                <a:xfrm>
+                  <a:off x="8434312" y="1853629"/>
+                  <a:ext cx="1487608" cy="1954095"/>
+                </a:xfrm>
+                <a:prstGeom prst="rect">
+                  <a:avLst/>
+                </a:prstGeom>
+                <a:solidFill>
+                  <a:schemeClr val="accent4">
+                    <a:lumMod val="60000"/>
+                    <a:lumOff val="40000"/>
+                  </a:schemeClr>
+                </a:solidFill>
+              </p:spPr>
+              <p:style>
+                <a:lnRef idx="2">
+                  <a:schemeClr val="accent1">
+                    <a:shade val="15000"/>
+                  </a:schemeClr>
+                </a:lnRef>
+                <a:fillRef idx="1">
+                  <a:schemeClr val="accent1"/>
+                </a:fillRef>
+                <a:effectRef idx="0">
+                  <a:schemeClr val="accent1"/>
+                </a:effectRef>
+                <a:fontRef idx="minor">
+                  <a:schemeClr val="lt1"/>
+                </a:fontRef>
+              </p:style>
+              <p:txBody>
+                <a:bodyPr rtlCol="0" anchor="ctr"/>
+                <a:lstStyle/>
+                <a:p>
+                  <a:pPr algn="ctr"/>
+                  <a:endParaRPr lang="en-IN"/>
+                </a:p>
+              </p:txBody>
+            </p:sp>
+            <p:sp>
+              <p:nvSpPr>
+                <p:cNvPr id="1089" name="Rectangle 1088">
+                  <a:extLst>
+                    <a:ext uri="{FF2B5EF4-FFF2-40B4-BE49-F238E27FC236}">
+                      <a16:creationId xmlns:a16="http://schemas.microsoft.com/office/drawing/2014/main" id="{4A31CFE3-C89B-7990-7388-403E8D8A2A39}"/>
+                    </a:ext>
+                  </a:extLst>
+                </p:cNvPr>
+                <p:cNvSpPr/>
+                <p:nvPr/>
+              </p:nvSpPr>
+              <p:spPr>
+                <a:xfrm>
+                  <a:off x="5022376" y="1446663"/>
+                  <a:ext cx="887105" cy="464023"/>
+                </a:xfrm>
+                <a:prstGeom prst="rect">
+                  <a:avLst/>
+                </a:prstGeom>
+                <a:solidFill>
+                  <a:srgbClr val="FF0000"/>
+                </a:solidFill>
+              </p:spPr>
+              <p:style>
+                <a:lnRef idx="2">
+                  <a:schemeClr val="accent1">
+                    <a:shade val="15000"/>
+                  </a:schemeClr>
+                </a:lnRef>
+                <a:fillRef idx="1">
+                  <a:schemeClr val="accent1"/>
+                </a:fillRef>
+                <a:effectRef idx="0">
+                  <a:schemeClr val="accent1"/>
+                </a:effectRef>
+                <a:fontRef idx="minor">
+                  <a:schemeClr val="lt1"/>
+                </a:fontRef>
+              </p:style>
+              <p:txBody>
+                <a:bodyPr rtlCol="0" anchor="ctr"/>
+                <a:lstStyle/>
+                <a:p>
+                  <a:pPr algn="ctr"/>
+                  <a:endParaRPr lang="en-IN"/>
+                </a:p>
+              </p:txBody>
+            </p:sp>
+            <p:sp>
+              <p:nvSpPr>
+                <p:cNvPr id="1090" name="Rectangle 1089">
+                  <a:extLst>
+                    <a:ext uri="{FF2B5EF4-FFF2-40B4-BE49-F238E27FC236}">
+                      <a16:creationId xmlns:a16="http://schemas.microsoft.com/office/drawing/2014/main" id="{E92666C1-3A72-2116-B883-34AFB37EA3BB}"/>
+                    </a:ext>
+                  </a:extLst>
+                </p:cNvPr>
+                <p:cNvSpPr/>
+                <p:nvPr/>
+              </p:nvSpPr>
+              <p:spPr>
+                <a:xfrm>
+                  <a:off x="5909481" y="1446663"/>
+                  <a:ext cx="887105" cy="464023"/>
+                </a:xfrm>
+                <a:prstGeom prst="rect">
+                  <a:avLst/>
+                </a:prstGeom>
+                <a:solidFill>
+                  <a:srgbClr val="FF0000"/>
+                </a:solidFill>
+              </p:spPr>
+              <p:style>
+                <a:lnRef idx="2">
+                  <a:schemeClr val="accent1">
+                    <a:shade val="15000"/>
+                  </a:schemeClr>
+                </a:lnRef>
+                <a:fillRef idx="1">
+                  <a:schemeClr val="accent1"/>
+                </a:fillRef>
+                <a:effectRef idx="0">
+                  <a:schemeClr val="accent1"/>
+                </a:effectRef>
+                <a:fontRef idx="minor">
+                  <a:schemeClr val="lt1"/>
+                </a:fontRef>
+              </p:style>
+              <p:txBody>
+                <a:bodyPr rtlCol="0" anchor="ctr"/>
+                <a:lstStyle/>
+                <a:p>
+                  <a:pPr algn="ctr"/>
+                  <a:endParaRPr lang="en-IN"/>
+                </a:p>
+              </p:txBody>
+            </p:sp>
+            <p:sp>
+              <p:nvSpPr>
+                <p:cNvPr id="1091" name="Rectangle 1090">
+                  <a:extLst>
+                    <a:ext uri="{FF2B5EF4-FFF2-40B4-BE49-F238E27FC236}">
+                      <a16:creationId xmlns:a16="http://schemas.microsoft.com/office/drawing/2014/main" id="{7D69F1BD-FC60-F8BC-3A25-29891FD25763}"/>
+                    </a:ext>
+                  </a:extLst>
+                </p:cNvPr>
+                <p:cNvSpPr/>
+                <p:nvPr/>
+              </p:nvSpPr>
+              <p:spPr>
+                <a:xfrm>
+                  <a:off x="5022376" y="1296537"/>
+                  <a:ext cx="1774210" cy="136478"/>
+                </a:xfrm>
+                <a:prstGeom prst="rect">
+                  <a:avLst/>
+                </a:prstGeom>
+                <a:solidFill>
+                  <a:schemeClr val="accent4">
+                    <a:lumMod val="75000"/>
+                  </a:schemeClr>
+                </a:solidFill>
+              </p:spPr>
+              <p:style>
+                <a:lnRef idx="2">
+                  <a:schemeClr val="accent1">
+                    <a:shade val="15000"/>
+                  </a:schemeClr>
+                </a:lnRef>
+                <a:fillRef idx="1">
+                  <a:schemeClr val="accent1"/>
+                </a:fillRef>
+                <a:effectRef idx="0">
+                  <a:schemeClr val="accent1"/>
+                </a:effectRef>
+                <a:fontRef idx="minor">
+                  <a:schemeClr val="lt1"/>
+                </a:fontRef>
+              </p:style>
+              <p:txBody>
+                <a:bodyPr rtlCol="0" anchor="ctr"/>
+                <a:lstStyle/>
+                <a:p>
+                  <a:pPr algn="ctr"/>
+                  <a:endParaRPr lang="en-IN"/>
+                </a:p>
+              </p:txBody>
+            </p:sp>
+          </p:grpSp>
+          <p:sp>
+            <p:nvSpPr>
+              <p:cNvPr id="1061" name="TextBox 1060">
+                <a:extLst>
+                  <a:ext uri="{FF2B5EF4-FFF2-40B4-BE49-F238E27FC236}">
+                    <a16:creationId xmlns:a16="http://schemas.microsoft.com/office/drawing/2014/main" id="{EBF7E682-3BCA-0227-C65F-AB523E631812}"/>
+                  </a:ext>
+                </a:extLst>
+              </p:cNvPr>
+              <p:cNvSpPr txBox="1"/>
+              <p:nvPr/>
+            </p:nvSpPr>
+            <p:spPr>
+              <a:xfrm>
+                <a:off x="4535433" y="5008283"/>
+                <a:ext cx="3833906" cy="523220"/>
+              </a:xfrm>
+              <a:prstGeom prst="rect">
+                <a:avLst/>
+              </a:prstGeom>
+              <a:noFill/>
+            </p:spPr>
+            <p:txBody>
+              <a:bodyPr wrap="square" rtlCol="0">
+                <a:spAutoFit/>
+              </a:bodyPr>
+              <a:lstStyle/>
+              <a:p>
+                <a:r>
+                  <a:rPr lang="en-IN" sz="2800" dirty="0"/>
+                  <a:t>SiC  -- Substrate(2µm)</a:t>
+                </a:r>
+              </a:p>
+            </p:txBody>
+          </p:sp>
+          <p:sp>
+            <p:nvSpPr>
+              <p:cNvPr id="1062" name="TextBox 1061">
+                <a:extLst>
+                  <a:ext uri="{FF2B5EF4-FFF2-40B4-BE49-F238E27FC236}">
+                    <a16:creationId xmlns:a16="http://schemas.microsoft.com/office/drawing/2014/main" id="{B65E78C0-A47E-0DB3-7355-62B64A49D151}"/>
+                  </a:ext>
+                </a:extLst>
+              </p:cNvPr>
+              <p:cNvSpPr txBox="1"/>
+              <p:nvPr/>
+            </p:nvSpPr>
+            <p:spPr>
+              <a:xfrm>
+                <a:off x="4957549" y="4158681"/>
+                <a:ext cx="3279913" cy="338554"/>
+              </a:xfrm>
+              <a:prstGeom prst="rect">
+                <a:avLst/>
+              </a:prstGeom>
+              <a:noFill/>
+            </p:spPr>
+            <p:txBody>
+              <a:bodyPr wrap="square" rtlCol="0">
+                <a:spAutoFit/>
+              </a:bodyPr>
+              <a:lstStyle/>
+              <a:p>
+                <a:r>
+                  <a:rPr lang="en-IN" sz="1600" dirty="0">
+                    <a:solidFill>
+                      <a:schemeClr val="bg1">
+                        <a:lumMod val="95000"/>
+                      </a:schemeClr>
+                    </a:solidFill>
+                  </a:rPr>
+                  <a:t>AlN – Nucleation(0.03µm)</a:t>
+                </a:r>
+              </a:p>
+            </p:txBody>
+          </p:sp>
+          <p:sp>
+            <p:nvSpPr>
+              <p:cNvPr id="1063" name="TextBox 1062">
+                <a:extLst>
+                  <a:ext uri="{FF2B5EF4-FFF2-40B4-BE49-F238E27FC236}">
+                    <a16:creationId xmlns:a16="http://schemas.microsoft.com/office/drawing/2014/main" id="{CCD79F1A-C457-6C46-3CBE-56EAF19D4EFF}"/>
+                  </a:ext>
+                </a:extLst>
+              </p:cNvPr>
+              <p:cNvSpPr txBox="1"/>
+              <p:nvPr/>
+            </p:nvSpPr>
+            <p:spPr>
+              <a:xfrm>
+                <a:off x="4849815" y="3559831"/>
+                <a:ext cx="3763887" cy="461665"/>
+              </a:xfrm>
+              <a:prstGeom prst="rect">
+                <a:avLst/>
+              </a:prstGeom>
+              <a:noFill/>
+            </p:spPr>
+            <p:txBody>
+              <a:bodyPr wrap="square" rtlCol="0">
+                <a:spAutoFit/>
+              </a:bodyPr>
+              <a:lstStyle/>
+              <a:p>
+                <a:r>
+                  <a:rPr lang="en-IN" sz="2400" dirty="0"/>
+                  <a:t>GaN  -- Channel(2µm)</a:t>
+                </a:r>
+              </a:p>
+            </p:txBody>
+          </p:sp>
+          <p:sp>
+            <p:nvSpPr>
+              <p:cNvPr id="1064" name="TextBox 1063">
+                <a:extLst>
+                  <a:ext uri="{FF2B5EF4-FFF2-40B4-BE49-F238E27FC236}">
+                    <a16:creationId xmlns:a16="http://schemas.microsoft.com/office/drawing/2014/main" id="{9CA13E05-04E3-FE07-27B6-AA8C8179F815}"/>
+                  </a:ext>
+                </a:extLst>
+              </p:cNvPr>
+              <p:cNvSpPr txBox="1"/>
+              <p:nvPr/>
+            </p:nvSpPr>
+            <p:spPr>
+              <a:xfrm>
+                <a:off x="4957549" y="3024985"/>
+                <a:ext cx="3763887" cy="400110"/>
+              </a:xfrm>
+              <a:prstGeom prst="rect">
+                <a:avLst/>
+              </a:prstGeom>
+              <a:noFill/>
+            </p:spPr>
+            <p:txBody>
+              <a:bodyPr wrap="square" rtlCol="0">
+                <a:spAutoFit/>
+              </a:bodyPr>
+              <a:lstStyle/>
+              <a:p>
+                <a:r>
+                  <a:rPr lang="en-IN" sz="2000" dirty="0">
+                    <a:solidFill>
+                      <a:schemeClr val="bg1">
+                        <a:lumMod val="95000"/>
+                      </a:schemeClr>
+                    </a:solidFill>
+                  </a:rPr>
+                  <a:t>AlN -- Spacer(0.002µm)</a:t>
+                </a:r>
+              </a:p>
+            </p:txBody>
+          </p:sp>
+          <p:sp>
+            <p:nvSpPr>
+              <p:cNvPr id="1065" name="TextBox 1064">
+                <a:extLst>
+                  <a:ext uri="{FF2B5EF4-FFF2-40B4-BE49-F238E27FC236}">
+                    <a16:creationId xmlns:a16="http://schemas.microsoft.com/office/drawing/2014/main" id="{34B6F115-13A9-35FF-0A09-03D9ACB69CB2}"/>
+                  </a:ext>
+                </a:extLst>
+              </p:cNvPr>
+              <p:cNvSpPr txBox="1"/>
+              <p:nvPr/>
+            </p:nvSpPr>
+            <p:spPr>
+              <a:xfrm>
+                <a:off x="4554450" y="2204512"/>
+                <a:ext cx="4376261" cy="461665"/>
+              </a:xfrm>
+              <a:prstGeom prst="rect">
+                <a:avLst/>
+              </a:prstGeom>
+              <a:noFill/>
+            </p:spPr>
+            <p:txBody>
+              <a:bodyPr wrap="square" rtlCol="0">
+                <a:spAutoFit/>
+              </a:bodyPr>
+              <a:lstStyle/>
+              <a:p>
+                <a:r>
+                  <a:rPr lang="en-IN" sz="2400" dirty="0"/>
+                  <a:t>AlGaN -- barrier(0.025µm)</a:t>
+                </a:r>
+              </a:p>
+            </p:txBody>
+          </p:sp>
+          <p:sp>
+            <p:nvSpPr>
+              <p:cNvPr id="1066" name="TextBox 1065">
+                <a:extLst>
+                  <a:ext uri="{FF2B5EF4-FFF2-40B4-BE49-F238E27FC236}">
+                    <a16:creationId xmlns:a16="http://schemas.microsoft.com/office/drawing/2014/main" id="{8AC7875F-ACCF-F22B-F025-CC6F8C7928E7}"/>
+                  </a:ext>
+                </a:extLst>
+              </p:cNvPr>
+              <p:cNvSpPr txBox="1"/>
+              <p:nvPr/>
+            </p:nvSpPr>
+            <p:spPr>
+              <a:xfrm>
+                <a:off x="5115675" y="1577100"/>
+                <a:ext cx="3763887" cy="338554"/>
+              </a:xfrm>
+              <a:prstGeom prst="rect">
+                <a:avLst/>
+              </a:prstGeom>
+              <a:noFill/>
+            </p:spPr>
+            <p:txBody>
+              <a:bodyPr wrap="square" rtlCol="0">
+                <a:spAutoFit/>
+              </a:bodyPr>
+              <a:lstStyle/>
+              <a:p>
+                <a:r>
+                  <a:rPr lang="en-IN" sz="1600" dirty="0">
+                    <a:solidFill>
+                      <a:schemeClr val="bg1">
+                        <a:lumMod val="95000"/>
+                      </a:schemeClr>
+                    </a:solidFill>
+                  </a:rPr>
+                  <a:t>HfAlOx (0.002µm)</a:t>
+                </a:r>
+              </a:p>
+            </p:txBody>
+          </p:sp>
+          <p:sp>
+            <p:nvSpPr>
+              <p:cNvPr id="1067" name="TextBox 1066">
+                <a:extLst>
+                  <a:ext uri="{FF2B5EF4-FFF2-40B4-BE49-F238E27FC236}">
+                    <a16:creationId xmlns:a16="http://schemas.microsoft.com/office/drawing/2014/main" id="{FE46CC97-D6B6-DEA6-D76F-BAE173C89531}"/>
+                  </a:ext>
+                </a:extLst>
+              </p:cNvPr>
+              <p:cNvSpPr txBox="1"/>
+              <p:nvPr/>
+            </p:nvSpPr>
+            <p:spPr>
+              <a:xfrm>
+                <a:off x="2742032" y="2116370"/>
+                <a:ext cx="1255298" cy="646331"/>
+              </a:xfrm>
+              <a:prstGeom prst="rect">
+                <a:avLst/>
+              </a:prstGeom>
+              <a:noFill/>
+            </p:spPr>
+            <p:txBody>
+              <a:bodyPr wrap="square" rtlCol="0">
+                <a:spAutoFit/>
+              </a:bodyPr>
+              <a:lstStyle/>
+              <a:p>
+                <a:r>
+                  <a:rPr lang="en-IN" dirty="0"/>
+                  <a:t>Source</a:t>
+                </a:r>
+              </a:p>
+              <a:p>
+                <a:r>
+                  <a:rPr lang="en-IN" dirty="0"/>
+                  <a:t>0.029(</a:t>
+                </a:r>
+                <a:r>
+                  <a:rPr lang="en-IN" sz="1800" dirty="0"/>
+                  <a:t>µm)</a:t>
+                </a:r>
+                <a:endParaRPr lang="en-IN" dirty="0"/>
+              </a:p>
+            </p:txBody>
+          </p:sp>
+          <p:sp>
+            <p:nvSpPr>
+              <p:cNvPr id="1068" name="TextBox 1067">
+                <a:extLst>
+                  <a:ext uri="{FF2B5EF4-FFF2-40B4-BE49-F238E27FC236}">
+                    <a16:creationId xmlns:a16="http://schemas.microsoft.com/office/drawing/2014/main" id="{17180D6B-97B5-D0B0-07EA-FB94AA1E0348}"/>
+                  </a:ext>
+                </a:extLst>
+              </p:cNvPr>
+              <p:cNvSpPr txBox="1"/>
+              <p:nvPr/>
+            </p:nvSpPr>
+            <p:spPr>
+              <a:xfrm>
+                <a:off x="8537704" y="2122301"/>
+                <a:ext cx="1255298" cy="584775"/>
+              </a:xfrm>
+              <a:prstGeom prst="rect">
+                <a:avLst/>
+              </a:prstGeom>
+              <a:noFill/>
+            </p:spPr>
+            <p:txBody>
+              <a:bodyPr wrap="square" rtlCol="0">
+                <a:spAutoFit/>
+              </a:bodyPr>
+              <a:lstStyle/>
+              <a:p>
+                <a:r>
+                  <a:rPr lang="en-IN" dirty="0"/>
+                  <a:t>Drain 0.029(</a:t>
+                </a:r>
+                <a:r>
+                  <a:rPr lang="en-IN" sz="1800" dirty="0"/>
+                  <a:t>µm)</a:t>
+                </a:r>
+                <a:endParaRPr lang="en-IN" dirty="0"/>
+              </a:p>
+            </p:txBody>
+          </p:sp>
+          <p:sp>
+            <p:nvSpPr>
+              <p:cNvPr id="1069" name="Rectangle 1068">
+                <a:extLst>
+                  <a:ext uri="{FF2B5EF4-FFF2-40B4-BE49-F238E27FC236}">
+                    <a16:creationId xmlns:a16="http://schemas.microsoft.com/office/drawing/2014/main" id="{60B6889C-19E0-BE67-B855-55BD3BC5E196}"/>
+                  </a:ext>
+                </a:extLst>
+              </p:cNvPr>
+              <p:cNvSpPr/>
+              <p:nvPr/>
+            </p:nvSpPr>
+            <p:spPr>
+              <a:xfrm>
+                <a:off x="5844654" y="1088409"/>
+                <a:ext cx="887105" cy="477670"/>
+              </a:xfrm>
+              <a:prstGeom prst="rect">
+                <a:avLst/>
+              </a:prstGeom>
+              <a:solidFill>
+                <a:schemeClr val="bg1"/>
+              </a:solidFill>
+            </p:spPr>
+            <p:style>
+              <a:lnRef idx="2">
+                <a:schemeClr val="accent1">
+                  <a:shade val="15000"/>
+                </a:schemeClr>
+              </a:lnRef>
+              <a:fillRef idx="1">
+                <a:schemeClr val="accent1"/>
+              </a:fillRef>
+              <a:effectRef idx="0">
+                <a:schemeClr val="accent1"/>
+              </a:effectRef>
+              <a:fontRef idx="minor">
+                <a:schemeClr val="lt1"/>
+              </a:fontRef>
+            </p:style>
+            <p:txBody>
+              <a:bodyPr rtlCol="0" anchor="ctr"/>
+              <a:lstStyle/>
+              <a:p>
+                <a:pPr algn="ctr"/>
+                <a:endParaRPr lang="en-IN"/>
+              </a:p>
+            </p:txBody>
+          </p:sp>
+          <p:sp>
+            <p:nvSpPr>
+              <p:cNvPr id="1070" name="Rectangle 1069">
+                <a:extLst>
+                  <a:ext uri="{FF2B5EF4-FFF2-40B4-BE49-F238E27FC236}">
+                    <a16:creationId xmlns:a16="http://schemas.microsoft.com/office/drawing/2014/main" id="{699A6C63-2BB5-04BA-AB25-8EE24BEEA937}"/>
+                  </a:ext>
+                </a:extLst>
+              </p:cNvPr>
+              <p:cNvSpPr/>
+              <p:nvPr/>
+            </p:nvSpPr>
+            <p:spPr>
+              <a:xfrm>
+                <a:off x="4957548" y="1085781"/>
+                <a:ext cx="887107" cy="494703"/>
+              </a:xfrm>
+              <a:prstGeom prst="rect">
+                <a:avLst/>
+              </a:prstGeom>
+              <a:solidFill>
+                <a:srgbClr val="FF0000"/>
+              </a:solidFill>
+            </p:spPr>
+            <p:style>
+              <a:lnRef idx="2">
+                <a:schemeClr val="accent1">
+                  <a:shade val="15000"/>
+                </a:schemeClr>
+              </a:lnRef>
+              <a:fillRef idx="1">
+                <a:schemeClr val="accent1"/>
+              </a:fillRef>
+              <a:effectRef idx="0">
+                <a:schemeClr val="accent1"/>
+              </a:effectRef>
+              <a:fontRef idx="minor">
+                <a:schemeClr val="lt1"/>
+              </a:fontRef>
+            </p:style>
+            <p:txBody>
+              <a:bodyPr rtlCol="0" anchor="ctr"/>
+              <a:lstStyle/>
+              <a:p>
+                <a:pPr algn="ctr"/>
+                <a:endParaRPr lang="en-IN" dirty="0"/>
+              </a:p>
+            </p:txBody>
+          </p:sp>
+          <p:sp>
+            <p:nvSpPr>
+              <p:cNvPr id="1071" name="TextBox 1070">
+                <a:extLst>
+                  <a:ext uri="{FF2B5EF4-FFF2-40B4-BE49-F238E27FC236}">
+                    <a16:creationId xmlns:a16="http://schemas.microsoft.com/office/drawing/2014/main" id="{B72A7B1B-72E8-1095-66A9-94F3D7C6916F}"/>
+                  </a:ext>
+                </a:extLst>
+              </p:cNvPr>
+              <p:cNvSpPr txBox="1"/>
+              <p:nvPr/>
+            </p:nvSpPr>
+            <p:spPr>
+              <a:xfrm>
+                <a:off x="4957548" y="1080039"/>
+                <a:ext cx="3763887" cy="461665"/>
+              </a:xfrm>
+              <a:prstGeom prst="rect">
+                <a:avLst/>
+              </a:prstGeom>
+              <a:noFill/>
+            </p:spPr>
+            <p:txBody>
+              <a:bodyPr wrap="square" rtlCol="0">
+                <a:spAutoFit/>
+              </a:bodyPr>
+              <a:lstStyle/>
+              <a:p>
+                <a:r>
+                  <a:rPr lang="en-IN" sz="1200" dirty="0">
+                    <a:solidFill>
+                      <a:schemeClr val="bg1">
+                        <a:lumMod val="95000"/>
+                      </a:schemeClr>
+                    </a:solidFill>
+                  </a:rPr>
+                  <a:t>SiO2</a:t>
+                </a:r>
+              </a:p>
+              <a:p>
+                <a:r>
+                  <a:rPr lang="en-IN" sz="1200" dirty="0">
+                    <a:solidFill>
+                      <a:schemeClr val="bg1">
+                        <a:lumMod val="95000"/>
+                      </a:schemeClr>
+                    </a:solidFill>
+                  </a:rPr>
+                  <a:t>(0.013µm)</a:t>
+                </a:r>
+              </a:p>
+            </p:txBody>
+          </p:sp>
+          <p:sp>
+            <p:nvSpPr>
+              <p:cNvPr id="1072" name="Rectangle 1071">
+                <a:extLst>
+                  <a:ext uri="{FF2B5EF4-FFF2-40B4-BE49-F238E27FC236}">
+                    <a16:creationId xmlns:a16="http://schemas.microsoft.com/office/drawing/2014/main" id="{0FB6E159-6DCC-0DDB-B986-DC0403513790}"/>
+                  </a:ext>
+                </a:extLst>
+              </p:cNvPr>
+              <p:cNvSpPr/>
+              <p:nvPr/>
+            </p:nvSpPr>
+            <p:spPr>
+              <a:xfrm>
+                <a:off x="4957549" y="914400"/>
+                <a:ext cx="1774210" cy="174009"/>
+              </a:xfrm>
+              <a:prstGeom prst="rect">
+                <a:avLst/>
+              </a:prstGeom>
+            </p:spPr>
+            <p:style>
+              <a:lnRef idx="2">
+                <a:schemeClr val="accent4">
+                  <a:shade val="15000"/>
+                </a:schemeClr>
+              </a:lnRef>
+              <a:fillRef idx="1">
+                <a:schemeClr val="accent4"/>
+              </a:fillRef>
+              <a:effectRef idx="0">
+                <a:schemeClr val="accent4"/>
+              </a:effectRef>
+              <a:fontRef idx="minor">
+                <a:schemeClr val="lt1"/>
+              </a:fontRef>
+            </p:style>
+            <p:txBody>
+              <a:bodyPr rtlCol="0" anchor="ctr"/>
+              <a:lstStyle/>
+              <a:p>
+                <a:pPr algn="ctr"/>
+                <a:endParaRPr lang="en-IN"/>
+              </a:p>
+            </p:txBody>
+          </p:sp>
+          <p:sp>
+            <p:nvSpPr>
+              <p:cNvPr id="1073" name="TextBox 1072">
+                <a:extLst>
+                  <a:ext uri="{FF2B5EF4-FFF2-40B4-BE49-F238E27FC236}">
+                    <a16:creationId xmlns:a16="http://schemas.microsoft.com/office/drawing/2014/main" id="{BE58C552-555A-FBB9-120B-A0DEE76AB232}"/>
+                  </a:ext>
+                </a:extLst>
+              </p:cNvPr>
+              <p:cNvSpPr txBox="1"/>
+              <p:nvPr/>
+            </p:nvSpPr>
+            <p:spPr>
+              <a:xfrm>
+                <a:off x="5141501" y="879312"/>
+                <a:ext cx="2244459" cy="276999"/>
+              </a:xfrm>
+              <a:prstGeom prst="rect">
+                <a:avLst/>
+              </a:prstGeom>
+              <a:noFill/>
+            </p:spPr>
+            <p:txBody>
+              <a:bodyPr wrap="square" rtlCol="0">
+                <a:spAutoFit/>
+              </a:bodyPr>
+              <a:lstStyle/>
+              <a:p>
+                <a:r>
+                  <a:rPr lang="en-IN" sz="1200" dirty="0"/>
+                  <a:t>Gold – Gate</a:t>
+                </a:r>
+              </a:p>
+            </p:txBody>
+          </p:sp>
+          <p:pic>
+            <p:nvPicPr>
+              <p:cNvPr id="1074" name="Picture 1073">
+                <a:extLst>
+                  <a:ext uri="{FF2B5EF4-FFF2-40B4-BE49-F238E27FC236}">
+                    <a16:creationId xmlns:a16="http://schemas.microsoft.com/office/drawing/2014/main" id="{63E0EC6E-7C7F-38ED-9F2A-CD0C7F8BCA3A}"/>
+                  </a:ext>
+                </a:extLst>
+              </p:cNvPr>
+              <p:cNvPicPr>
+                <a:picLocks noChangeAspect="1"/>
+              </p:cNvPicPr>
+              <p:nvPr/>
+            </p:nvPicPr>
+            <p:blipFill>
+              <a:blip r:embed="rId5">
+                <a:extLst>
+                  <a:ext uri="{28A0092B-C50C-407E-A947-70E740481C1C}">
+                    <a14:useLocalDpi xmlns:a14="http://schemas.microsoft.com/office/drawing/2010/main" val="0"/>
+                  </a:ext>
+                </a:extLst>
+              </a:blip>
+              <a:stretch>
+                <a:fillRect/>
+              </a:stretch>
+            </p:blipFill>
+            <p:spPr>
+              <a:xfrm>
+                <a:off x="5722652" y="1148820"/>
+                <a:ext cx="746695" cy="418149"/>
+              </a:xfrm>
+              <a:prstGeom prst="rect">
+                <a:avLst/>
+              </a:prstGeom>
+            </p:spPr>
+          </p:pic>
+          <p:pic>
+            <p:nvPicPr>
+              <p:cNvPr id="1075" name="Picture 1074">
+                <a:extLst>
+                  <a:ext uri="{FF2B5EF4-FFF2-40B4-BE49-F238E27FC236}">
+                    <a16:creationId xmlns:a16="http://schemas.microsoft.com/office/drawing/2014/main" id="{5A64B79E-A64B-7B13-69A1-1E86BA056A33}"/>
+                  </a:ext>
+                </a:extLst>
+              </p:cNvPr>
+              <p:cNvPicPr>
+                <a:picLocks noChangeAspect="1"/>
+              </p:cNvPicPr>
+              <p:nvPr/>
+            </p:nvPicPr>
+            <p:blipFill>
+              <a:blip r:embed="rId5">
+                <a:extLst>
+                  <a:ext uri="{28A0092B-C50C-407E-A947-70E740481C1C}">
+                    <a14:useLocalDpi xmlns:a14="http://schemas.microsoft.com/office/drawing/2010/main" val="0"/>
+                  </a:ext>
+                </a:extLst>
+              </a:blip>
+              <a:stretch>
+                <a:fillRect/>
+              </a:stretch>
+            </p:blipFill>
+            <p:spPr>
+              <a:xfrm>
+                <a:off x="6136413" y="1152758"/>
+                <a:ext cx="746695" cy="418149"/>
+              </a:xfrm>
+              <a:prstGeom prst="rect">
+                <a:avLst/>
+              </a:prstGeom>
+            </p:spPr>
+          </p:pic>
+          <p:sp>
+            <p:nvSpPr>
+              <p:cNvPr id="1076" name="TextBox 1075">
+                <a:extLst>
+                  <a:ext uri="{FF2B5EF4-FFF2-40B4-BE49-F238E27FC236}">
+                    <a16:creationId xmlns:a16="http://schemas.microsoft.com/office/drawing/2014/main" id="{279DBDEC-CA84-35D4-50C3-BCA24B057B65}"/>
+                  </a:ext>
+                </a:extLst>
+              </p:cNvPr>
+              <p:cNvSpPr txBox="1"/>
+              <p:nvPr/>
+            </p:nvSpPr>
+            <p:spPr>
+              <a:xfrm>
+                <a:off x="8849723" y="1156413"/>
+                <a:ext cx="637477" cy="276999"/>
+              </a:xfrm>
+              <a:prstGeom prst="rect">
+                <a:avLst/>
+              </a:prstGeom>
+              <a:noFill/>
+            </p:spPr>
+            <p:txBody>
+              <a:bodyPr wrap="square" rtlCol="0">
+                <a:spAutoFit/>
+              </a:bodyPr>
+              <a:lstStyle/>
+              <a:p>
+                <a:endParaRPr lang="en-IN" sz="1200" dirty="0"/>
+              </a:p>
+            </p:txBody>
+          </p:sp>
+          <p:sp>
+            <p:nvSpPr>
+              <p:cNvPr id="1077" name="TextBox 1076">
+                <a:extLst>
+                  <a:ext uri="{FF2B5EF4-FFF2-40B4-BE49-F238E27FC236}">
+                    <a16:creationId xmlns:a16="http://schemas.microsoft.com/office/drawing/2014/main" id="{6870DA8F-08B6-9D93-2F6F-FF44A5FC4CB0}"/>
+                  </a:ext>
+                </a:extLst>
+              </p:cNvPr>
+              <p:cNvSpPr txBox="1"/>
+              <p:nvPr/>
+            </p:nvSpPr>
+            <p:spPr>
+              <a:xfrm>
+                <a:off x="5645426" y="622614"/>
+                <a:ext cx="637477" cy="276999"/>
+              </a:xfrm>
+              <a:prstGeom prst="rect">
+                <a:avLst/>
+              </a:prstGeom>
+              <a:noFill/>
+            </p:spPr>
+            <p:txBody>
+              <a:bodyPr wrap="square" rtlCol="0">
+                <a:spAutoFit/>
+              </a:bodyPr>
+              <a:lstStyle/>
+              <a:p>
+                <a:endParaRPr lang="en-IN" sz="1200" dirty="0"/>
+              </a:p>
+            </p:txBody>
+          </p:sp>
+          <p:cxnSp>
+            <p:nvCxnSpPr>
+              <p:cNvPr id="1078" name="Straight Arrow Connector 1077">
+                <a:extLst>
+                  <a:ext uri="{FF2B5EF4-FFF2-40B4-BE49-F238E27FC236}">
+                    <a16:creationId xmlns:a16="http://schemas.microsoft.com/office/drawing/2014/main" id="{E57A8E49-729B-4C57-D90B-6C085350BCD9}"/>
+                  </a:ext>
+                </a:extLst>
+              </p:cNvPr>
+              <p:cNvCxnSpPr/>
+              <p:nvPr/>
+            </p:nvCxnSpPr>
+            <p:spPr>
+              <a:xfrm>
+                <a:off x="2500950" y="6072809"/>
+                <a:ext cx="3144476" cy="0"/>
+              </a:xfrm>
+              <a:prstGeom prst="straightConnector1">
+                <a:avLst/>
+              </a:prstGeom>
+              <a:ln>
+                <a:tailEnd type="triangle"/>
+              </a:ln>
+            </p:spPr>
+            <p:style>
+              <a:lnRef idx="1">
+                <a:schemeClr val="accent1"/>
+              </a:lnRef>
+              <a:fillRef idx="0">
+                <a:schemeClr val="accent1"/>
+              </a:fillRef>
+              <a:effectRef idx="0">
+                <a:schemeClr val="accent1"/>
+              </a:effectRef>
+              <a:fontRef idx="minor">
+                <a:schemeClr val="tx1"/>
+              </a:fontRef>
+            </p:style>
+          </p:cxnSp>
+          <p:cxnSp>
+            <p:nvCxnSpPr>
+              <p:cNvPr id="1079" name="Straight Arrow Connector 1078">
+                <a:extLst>
+                  <a:ext uri="{FF2B5EF4-FFF2-40B4-BE49-F238E27FC236}">
+                    <a16:creationId xmlns:a16="http://schemas.microsoft.com/office/drawing/2014/main" id="{908CFF70-C246-93E2-C3FF-8A484641FE53}"/>
+                  </a:ext>
+                </a:extLst>
+              </p:cNvPr>
+              <p:cNvCxnSpPr/>
+              <p:nvPr/>
+            </p:nvCxnSpPr>
+            <p:spPr>
+              <a:xfrm flipH="1">
+                <a:off x="6179021" y="6082748"/>
+                <a:ext cx="3678071" cy="0"/>
+              </a:xfrm>
+              <a:prstGeom prst="straightConnector1">
+                <a:avLst/>
+              </a:prstGeom>
+              <a:ln>
+                <a:tailEnd type="triangle"/>
+              </a:ln>
+            </p:spPr>
+            <p:style>
+              <a:lnRef idx="1">
+                <a:schemeClr val="accent1"/>
+              </a:lnRef>
+              <a:fillRef idx="0">
+                <a:schemeClr val="accent1"/>
+              </a:fillRef>
+              <a:effectRef idx="0">
+                <a:schemeClr val="accent1"/>
+              </a:effectRef>
+              <a:fontRef idx="minor">
+                <a:schemeClr val="tx1"/>
+              </a:fontRef>
+            </p:style>
+          </p:cxnSp>
+          <p:sp>
+            <p:nvSpPr>
+              <p:cNvPr id="1080" name="TextBox 1079">
+                <a:extLst>
+                  <a:ext uri="{FF2B5EF4-FFF2-40B4-BE49-F238E27FC236}">
+                    <a16:creationId xmlns:a16="http://schemas.microsoft.com/office/drawing/2014/main" id="{9937C4FA-17BD-78A1-7955-A6352608CAB5}"/>
+                  </a:ext>
+                </a:extLst>
+              </p:cNvPr>
+              <p:cNvSpPr txBox="1"/>
+              <p:nvPr/>
+            </p:nvSpPr>
+            <p:spPr>
+              <a:xfrm>
+                <a:off x="5694241" y="5933363"/>
+                <a:ext cx="637477" cy="276999"/>
+              </a:xfrm>
+              <a:prstGeom prst="rect">
+                <a:avLst/>
+              </a:prstGeom>
+              <a:noFill/>
+            </p:spPr>
+            <p:txBody>
+              <a:bodyPr wrap="square" rtlCol="0">
+                <a:spAutoFit/>
+              </a:bodyPr>
+              <a:lstStyle/>
+              <a:p>
+                <a:r>
+                  <a:rPr lang="en-IN" sz="1200" dirty="0"/>
+                  <a:t>10µm</a:t>
+                </a:r>
+              </a:p>
+            </p:txBody>
+          </p:sp>
+        </p:grpSp>
+        <p:cxnSp>
+          <p:nvCxnSpPr>
+            <p:cNvPr id="45" name="Straight Arrow Connector 44">
+              <a:extLst>
+                <a:ext uri="{FF2B5EF4-FFF2-40B4-BE49-F238E27FC236}">
+                  <a16:creationId xmlns:a16="http://schemas.microsoft.com/office/drawing/2014/main" id="{39062588-E35B-2BB8-6433-D098FE33647C}"/>
+                </a:ext>
+              </a:extLst>
+            </p:cNvPr>
+            <p:cNvCxnSpPr>
+              <a:cxnSpLocks/>
+            </p:cNvCxnSpPr>
+            <p:nvPr/>
+          </p:nvCxnSpPr>
+          <p:spPr>
+            <a:xfrm>
+              <a:off x="2579851" y="1914894"/>
+              <a:ext cx="1487608" cy="0"/>
+            </a:xfrm>
+            <a:prstGeom prst="straightConnector1">
+              <a:avLst/>
+            </a:prstGeom>
+            <a:ln>
+              <a:solidFill>
+                <a:schemeClr val="tx1"/>
+              </a:solidFill>
+              <a:headEnd type="triangle"/>
+              <a:tailEnd type="triangle"/>
+            </a:ln>
+          </p:spPr>
+          <p:style>
+            <a:lnRef idx="1">
+              <a:schemeClr val="dk1"/>
+            </a:lnRef>
+            <a:fillRef idx="0">
+              <a:schemeClr val="dk1"/>
+            </a:fillRef>
+            <a:effectRef idx="0">
+              <a:schemeClr val="dk1"/>
+            </a:effectRef>
+            <a:fontRef idx="minor">
+              <a:schemeClr val="tx1"/>
+            </a:fontRef>
+          </p:style>
+        </p:cxnSp>
+        <p:sp>
+          <p:nvSpPr>
+            <p:cNvPr id="46" name="TextBox 45">
+              <a:extLst>
+                <a:ext uri="{FF2B5EF4-FFF2-40B4-BE49-F238E27FC236}">
+                  <a16:creationId xmlns:a16="http://schemas.microsoft.com/office/drawing/2014/main" id="{2C813E64-33D6-6F52-2810-324847857762}"/>
+                </a:ext>
+              </a:extLst>
+            </p:cNvPr>
+            <p:cNvSpPr txBox="1"/>
+            <p:nvPr/>
+          </p:nvSpPr>
+          <p:spPr>
+            <a:xfrm>
+              <a:off x="293407" y="1635937"/>
+              <a:ext cx="6096000" cy="307777"/>
+            </a:xfrm>
+            <a:prstGeom prst="rect">
+              <a:avLst/>
+            </a:prstGeom>
+            <a:noFill/>
+          </p:spPr>
+          <p:txBody>
+            <a:bodyPr wrap="square">
+              <a:spAutoFit/>
+            </a:bodyPr>
+            <a:lstStyle/>
+            <a:p>
+              <a:pPr algn="ctr"/>
+              <a:r>
+                <a:rPr lang="en-IN" dirty="0"/>
+                <a:t>L</a:t>
+              </a:r>
+              <a:r>
+                <a:rPr lang="en-IN" baseline="-25000" dirty="0"/>
+                <a:t>S</a:t>
+              </a:r>
+              <a:r>
+                <a:rPr lang="en-IN" dirty="0"/>
+                <a:t> = 1</a:t>
+              </a:r>
+              <a:r>
+                <a:rPr lang="el-GR" dirty="0"/>
+                <a:t>μ</a:t>
+              </a:r>
+              <a:r>
+                <a:rPr lang="en-IN" dirty="0"/>
+                <a:t>m</a:t>
+              </a:r>
+            </a:p>
+          </p:txBody>
+        </p:sp>
+        <p:cxnSp>
+          <p:nvCxnSpPr>
+            <p:cNvPr id="1052" name="Straight Arrow Connector 1051">
+              <a:extLst>
+                <a:ext uri="{FF2B5EF4-FFF2-40B4-BE49-F238E27FC236}">
+                  <a16:creationId xmlns:a16="http://schemas.microsoft.com/office/drawing/2014/main" id="{233618C9-4AB3-A7A9-BE23-6E55769A9E49}"/>
+                </a:ext>
+              </a:extLst>
+            </p:cNvPr>
+            <p:cNvCxnSpPr/>
+            <p:nvPr/>
+          </p:nvCxnSpPr>
+          <p:spPr>
+            <a:xfrm>
+              <a:off x="8473148" y="1884900"/>
+              <a:ext cx="1423663" cy="0"/>
+            </a:xfrm>
+            <a:prstGeom prst="straightConnector1">
+              <a:avLst/>
+            </a:prstGeom>
+            <a:ln>
+              <a:headEnd type="triangle"/>
+              <a:tailEnd type="triangle"/>
+            </a:ln>
+          </p:spPr>
+          <p:style>
+            <a:lnRef idx="1">
+              <a:schemeClr val="dk1"/>
+            </a:lnRef>
+            <a:fillRef idx="0">
+              <a:schemeClr val="dk1"/>
+            </a:fillRef>
+            <a:effectRef idx="0">
+              <a:schemeClr val="dk1"/>
+            </a:effectRef>
+            <a:fontRef idx="minor">
+              <a:schemeClr val="tx1"/>
+            </a:fontRef>
+          </p:style>
+        </p:cxnSp>
+        <p:cxnSp>
+          <p:nvCxnSpPr>
+            <p:cNvPr id="1053" name="Straight Arrow Connector 1052">
+              <a:extLst>
+                <a:ext uri="{FF2B5EF4-FFF2-40B4-BE49-F238E27FC236}">
+                  <a16:creationId xmlns:a16="http://schemas.microsoft.com/office/drawing/2014/main" id="{D7D4BEDC-7167-A7F7-DA65-6AE5901BD4C1}"/>
+                </a:ext>
+              </a:extLst>
+            </p:cNvPr>
+            <p:cNvCxnSpPr/>
+            <p:nvPr/>
+          </p:nvCxnSpPr>
+          <p:spPr>
+            <a:xfrm>
+              <a:off x="4076231" y="1000601"/>
+              <a:ext cx="960218" cy="0"/>
+            </a:xfrm>
+            <a:prstGeom prst="straightConnector1">
+              <a:avLst/>
+            </a:prstGeom>
+            <a:ln>
+              <a:headEnd type="triangle"/>
+              <a:tailEnd type="triangle"/>
+            </a:ln>
+          </p:spPr>
+          <p:style>
+            <a:lnRef idx="1">
+              <a:schemeClr val="dk1"/>
+            </a:lnRef>
+            <a:fillRef idx="0">
+              <a:schemeClr val="dk1"/>
+            </a:fillRef>
+            <a:effectRef idx="0">
+              <a:schemeClr val="dk1"/>
+            </a:effectRef>
+            <a:fontRef idx="minor">
+              <a:schemeClr val="tx1"/>
+            </a:fontRef>
+          </p:style>
+        </p:cxnSp>
+        <p:cxnSp>
+          <p:nvCxnSpPr>
+            <p:cNvPr id="1054" name="Straight Arrow Connector 1053">
+              <a:extLst>
+                <a:ext uri="{FF2B5EF4-FFF2-40B4-BE49-F238E27FC236}">
+                  <a16:creationId xmlns:a16="http://schemas.microsoft.com/office/drawing/2014/main" id="{6654AA86-0128-1974-2E3D-28BCBA15A08D}"/>
+                </a:ext>
+              </a:extLst>
+            </p:cNvPr>
+            <p:cNvCxnSpPr/>
+            <p:nvPr/>
+          </p:nvCxnSpPr>
+          <p:spPr>
+            <a:xfrm>
+              <a:off x="5036449" y="1000601"/>
+              <a:ext cx="1774210" cy="0"/>
+            </a:xfrm>
+            <a:prstGeom prst="straightConnector1">
+              <a:avLst/>
+            </a:prstGeom>
+            <a:ln>
+              <a:headEnd type="triangle"/>
+              <a:tailEnd type="triangle"/>
+            </a:ln>
+          </p:spPr>
+          <p:style>
+            <a:lnRef idx="1">
+              <a:schemeClr val="dk1"/>
+            </a:lnRef>
+            <a:fillRef idx="0">
+              <a:schemeClr val="dk1"/>
+            </a:fillRef>
+            <a:effectRef idx="0">
+              <a:schemeClr val="dk1"/>
+            </a:effectRef>
+            <a:fontRef idx="minor">
+              <a:schemeClr val="tx1"/>
+            </a:fontRef>
+          </p:style>
+        </p:cxnSp>
+        <p:cxnSp>
+          <p:nvCxnSpPr>
+            <p:cNvPr id="1055" name="Straight Arrow Connector 1054">
+              <a:extLst>
+                <a:ext uri="{FF2B5EF4-FFF2-40B4-BE49-F238E27FC236}">
+                  <a16:creationId xmlns:a16="http://schemas.microsoft.com/office/drawing/2014/main" id="{CFC78B17-594E-F662-26A0-314DF4E1FB5E}"/>
+                </a:ext>
+              </a:extLst>
+            </p:cNvPr>
+            <p:cNvCxnSpPr>
+              <a:cxnSpLocks/>
+            </p:cNvCxnSpPr>
+            <p:nvPr/>
+          </p:nvCxnSpPr>
+          <p:spPr>
+            <a:xfrm>
+              <a:off x="6821481" y="1000601"/>
+              <a:ext cx="1494882" cy="0"/>
+            </a:xfrm>
+            <a:prstGeom prst="straightConnector1">
+              <a:avLst/>
+            </a:prstGeom>
+            <a:ln>
+              <a:headEnd type="triangle"/>
+              <a:tailEnd type="triangle"/>
+            </a:ln>
+          </p:spPr>
+          <p:style>
+            <a:lnRef idx="1">
+              <a:schemeClr val="dk1"/>
+            </a:lnRef>
+            <a:fillRef idx="0">
+              <a:schemeClr val="dk1"/>
+            </a:fillRef>
+            <a:effectRef idx="0">
+              <a:schemeClr val="dk1"/>
+            </a:effectRef>
+            <a:fontRef idx="minor">
+              <a:schemeClr val="tx1"/>
+            </a:fontRef>
+          </p:style>
+        </p:cxnSp>
+        <p:cxnSp>
+          <p:nvCxnSpPr>
+            <p:cNvPr id="1056" name="Straight Arrow Connector 1055">
+              <a:extLst>
+                <a:ext uri="{FF2B5EF4-FFF2-40B4-BE49-F238E27FC236}">
+                  <a16:creationId xmlns:a16="http://schemas.microsoft.com/office/drawing/2014/main" id="{E7B0A0CB-2234-AE55-0172-8A4812A4354C}"/>
+                </a:ext>
+              </a:extLst>
+            </p:cNvPr>
+            <p:cNvCxnSpPr/>
+            <p:nvPr/>
+          </p:nvCxnSpPr>
+          <p:spPr>
+            <a:xfrm>
+              <a:off x="5036449" y="1310886"/>
+              <a:ext cx="882568" cy="0"/>
+            </a:xfrm>
+            <a:prstGeom prst="straightConnector1">
+              <a:avLst/>
+            </a:prstGeom>
+            <a:ln>
+              <a:headEnd type="triangle"/>
+              <a:tailEnd type="triangle"/>
+            </a:ln>
+          </p:spPr>
+          <p:style>
+            <a:lnRef idx="1">
+              <a:schemeClr val="dk1"/>
+            </a:lnRef>
+            <a:fillRef idx="0">
+              <a:schemeClr val="dk1"/>
+            </a:fillRef>
+            <a:effectRef idx="0">
+              <a:schemeClr val="dk1"/>
+            </a:effectRef>
+            <a:fontRef idx="minor">
+              <a:schemeClr val="tx1"/>
+            </a:fontRef>
+          </p:style>
+        </p:cxnSp>
+        <p:cxnSp>
+          <p:nvCxnSpPr>
+            <p:cNvPr id="1057" name="Straight Arrow Connector 1056">
+              <a:extLst>
+                <a:ext uri="{FF2B5EF4-FFF2-40B4-BE49-F238E27FC236}">
+                  <a16:creationId xmlns:a16="http://schemas.microsoft.com/office/drawing/2014/main" id="{BE8211C7-906F-17DD-1BB7-2A6656A4022C}"/>
+                </a:ext>
+              </a:extLst>
+            </p:cNvPr>
+            <p:cNvCxnSpPr/>
+            <p:nvPr/>
+          </p:nvCxnSpPr>
+          <p:spPr>
+            <a:xfrm>
+              <a:off x="5919017" y="1315851"/>
+              <a:ext cx="891642" cy="0"/>
+            </a:xfrm>
+            <a:prstGeom prst="straightConnector1">
+              <a:avLst/>
+            </a:prstGeom>
+            <a:ln>
+              <a:headEnd type="triangle"/>
+              <a:tailEnd type="triangle"/>
+            </a:ln>
+          </p:spPr>
+          <p:style>
+            <a:lnRef idx="1">
+              <a:schemeClr val="dk1"/>
+            </a:lnRef>
+            <a:fillRef idx="0">
+              <a:schemeClr val="dk1"/>
+            </a:fillRef>
+            <a:effectRef idx="0">
+              <a:schemeClr val="dk1"/>
+            </a:effectRef>
+            <a:fontRef idx="minor">
+              <a:schemeClr val="tx1"/>
+            </a:fontRef>
+          </p:style>
+        </p:cxnSp>
+        <p:sp>
+          <p:nvSpPr>
+            <p:cNvPr id="1058" name="TextBox 1057">
+              <a:extLst>
+                <a:ext uri="{FF2B5EF4-FFF2-40B4-BE49-F238E27FC236}">
+                  <a16:creationId xmlns:a16="http://schemas.microsoft.com/office/drawing/2014/main" id="{6EE84DC4-12D6-0A1A-EA17-6EDB5F965DF0}"/>
+                </a:ext>
+              </a:extLst>
+            </p:cNvPr>
+            <p:cNvSpPr txBox="1"/>
+            <p:nvPr/>
+          </p:nvSpPr>
+          <p:spPr>
+            <a:xfrm>
+              <a:off x="2429733" y="1114563"/>
+              <a:ext cx="6096000" cy="230832"/>
+            </a:xfrm>
+            <a:prstGeom prst="rect">
+              <a:avLst/>
+            </a:prstGeom>
+            <a:noFill/>
+          </p:spPr>
+          <p:txBody>
+            <a:bodyPr wrap="square">
+              <a:spAutoFit/>
+            </a:bodyPr>
+            <a:lstStyle/>
+            <a:p>
+              <a:pPr algn="ctr"/>
+              <a:r>
+                <a:rPr lang="en-IN" sz="900" dirty="0" err="1">
+                  <a:ln w="0"/>
+                  <a:solidFill>
+                    <a:schemeClr val="tx1"/>
+                  </a:solidFill>
+                  <a:effectLst>
+                    <a:outerShdw blurRad="38100" dist="19050" dir="2700000" algn="tl" rotWithShape="0">
+                      <a:schemeClr val="dk1">
+                        <a:alpha val="40000"/>
+                      </a:schemeClr>
+                    </a:outerShdw>
+                  </a:effectLst>
+                </a:rPr>
+                <a:t>L</a:t>
+              </a:r>
+              <a:r>
+                <a:rPr lang="en-IN" sz="900" baseline="-25000" dirty="0" err="1">
+                  <a:ln w="0"/>
+                  <a:solidFill>
+                    <a:schemeClr val="tx1"/>
+                  </a:solidFill>
+                  <a:effectLst>
+                    <a:outerShdw blurRad="38100" dist="19050" dir="2700000" algn="tl" rotWithShape="0">
+                      <a:schemeClr val="dk1">
+                        <a:alpha val="40000"/>
+                      </a:schemeClr>
+                    </a:outerShdw>
+                  </a:effectLst>
+                </a:rPr>
+                <a:t>oxide</a:t>
+              </a:r>
+              <a:r>
+                <a:rPr lang="en-IN" sz="900" dirty="0">
+                  <a:ln w="0"/>
+                  <a:solidFill>
+                    <a:schemeClr val="tx1"/>
+                  </a:solidFill>
+                  <a:effectLst>
+                    <a:outerShdw blurRad="38100" dist="19050" dir="2700000" algn="tl" rotWithShape="0">
+                      <a:schemeClr val="dk1">
+                        <a:alpha val="40000"/>
+                      </a:schemeClr>
+                    </a:outerShdw>
+                  </a:effectLst>
+                </a:rPr>
+                <a:t>=0.15</a:t>
+              </a:r>
+              <a:r>
+                <a:rPr lang="el-GR" sz="900" dirty="0"/>
+                <a:t> μ</a:t>
+              </a:r>
+              <a:r>
+                <a:rPr lang="en-IN" sz="900" dirty="0">
+                  <a:ln w="0"/>
+                  <a:solidFill>
+                    <a:schemeClr val="tx1"/>
+                  </a:solidFill>
+                  <a:effectLst>
+                    <a:outerShdw blurRad="38100" dist="19050" dir="2700000" algn="tl" rotWithShape="0">
+                      <a:schemeClr val="dk1">
+                        <a:alpha val="40000"/>
+                      </a:schemeClr>
+                    </a:outerShdw>
+                  </a:effectLst>
+                </a:rPr>
+                <a:t>m</a:t>
+              </a:r>
+              <a:endParaRPr lang="en-IN" sz="900" baseline="-25000" dirty="0"/>
+            </a:p>
+          </p:txBody>
+        </p:sp>
+        <p:sp>
+          <p:nvSpPr>
+            <p:cNvPr id="1059" name="TextBox 1058">
+              <a:extLst>
+                <a:ext uri="{FF2B5EF4-FFF2-40B4-BE49-F238E27FC236}">
+                  <a16:creationId xmlns:a16="http://schemas.microsoft.com/office/drawing/2014/main" id="{3650022C-5166-8C34-88EB-0C6C0550E683}"/>
+                </a:ext>
+              </a:extLst>
+            </p:cNvPr>
+            <p:cNvSpPr txBox="1"/>
+            <p:nvPr/>
+          </p:nvSpPr>
+          <p:spPr>
+            <a:xfrm>
+              <a:off x="5906481" y="1112738"/>
+              <a:ext cx="2713632" cy="230832"/>
+            </a:xfrm>
+            <a:prstGeom prst="rect">
+              <a:avLst/>
+            </a:prstGeom>
+            <a:noFill/>
+          </p:spPr>
+          <p:txBody>
+            <a:bodyPr wrap="square">
+              <a:spAutoFit/>
+            </a:bodyPr>
+            <a:lstStyle/>
+            <a:p>
+              <a:r>
+                <a:rPr lang="en-IN" sz="900" dirty="0" err="1"/>
+                <a:t>L</a:t>
+              </a:r>
+              <a:r>
+                <a:rPr lang="en-IN" sz="900" baseline="-25000" dirty="0" err="1"/>
+                <a:t>cavity</a:t>
+              </a:r>
+              <a:r>
+                <a:rPr lang="en-IN" sz="900" baseline="-25000" dirty="0"/>
+                <a:t> </a:t>
+              </a:r>
+              <a:r>
+                <a:rPr lang="en-IN" sz="900" dirty="0"/>
+                <a:t>=0.15</a:t>
+              </a:r>
+              <a:r>
+                <a:rPr lang="el-GR" sz="900" dirty="0"/>
+                <a:t> μ</a:t>
+              </a:r>
+              <a:r>
+                <a:rPr lang="en-IN" sz="900" dirty="0"/>
+                <a:t>m</a:t>
+              </a:r>
+            </a:p>
+          </p:txBody>
+        </p:sp>
+      </p:grpSp>
+      <p:pic>
+        <p:nvPicPr>
+          <p:cNvPr id="1092" name="Picture 1091" descr="A picture containing text, diagram, line, plot&#10;&#10;Description automatically generated">
+            <a:extLst>
+              <a:ext uri="{FF2B5EF4-FFF2-40B4-BE49-F238E27FC236}">
+                <a16:creationId xmlns:a16="http://schemas.microsoft.com/office/drawing/2014/main" id="{3AF6CA09-E71E-FDFA-0518-E2BFECC1BC56}"/>
+              </a:ext>
+            </a:extLst>
+          </p:cNvPr>
+          <p:cNvPicPr>
+            <a:picLocks noChangeAspect="1"/>
+          </p:cNvPicPr>
+          <p:nvPr/>
+        </p:nvPicPr>
+        <p:blipFill>
+          <a:blip r:embed="rId6" cstate="print">
+            <a:extLst>
+              <a:ext uri="{28A0092B-C50C-407E-A947-70E740481C1C}">
+                <a14:useLocalDpi xmlns:a14="http://schemas.microsoft.com/office/drawing/2010/main" val="0"/>
+              </a:ext>
+            </a:extLst>
+          </a:blip>
+          <a:srcRect/>
+          <a:stretch>
+            <a:fillRect/>
+          </a:stretch>
+        </p:blipFill>
+        <p:spPr bwMode="auto">
+          <a:xfrm>
+            <a:off x="21224127" y="5656655"/>
+            <a:ext cx="9798695" cy="8891886"/>
+          </a:xfrm>
+          <a:prstGeom prst="rect">
+            <a:avLst/>
+          </a:prstGeom>
+          <a:noFill/>
+          <a:ln>
+            <a:noFill/>
+          </a:ln>
         </p:spPr>
       </p:pic>
     </p:spTree>
